--- a/related files/badminton_demoV4.pptx
+++ b/related files/badminton_demoV4.pptx
@@ -26,6 +26,8 @@
     <p:sldId id="274" r:id="rId21"/>
     <p:sldId id="275" r:id="rId22"/>
     <p:sldId id="276" r:id="rId23"/>
+    <p:sldId id="277" r:id="rId24"/>
+    <p:sldId id="278" r:id="rId25"/>
   </p:sldIdLst>
   <p:sldSz cx="12192000" cy="6858000"/>
   <p:notesSz cx="7559675" cy="10691812"/>
@@ -73,7 +75,7 @@
       </p:grpSpPr>
       <p:sp>
         <p:nvSpPr>
-          <p:cNvPr id="26" name="PlaceHolder 1"/>
+          <p:cNvPr id="23" name="PlaceHolder 1"/>
           <p:cNvSpPr>
             <a:spLocks noGrp="1"/>
           </p:cNvSpPr>
@@ -93,18 +95,16 @@
         <p:txBody>
           <a:bodyPr lIns="0" rIns="0" tIns="0" bIns="0" anchor="ctr"/>
           <a:p>
-            <a:endParaRPr b="0" lang="en-US" sz="1800" spc="-1" strike="noStrike">
-              <a:solidFill>
-                <a:srgbClr val="000000"/>
-              </a:solidFill>
-              <a:latin typeface="Calibri"/>
+            <a:pPr algn="ctr"/>
+            <a:endParaRPr b="0" lang="en-IN" sz="4400" spc="-1" strike="noStrike">
+              <a:latin typeface="Arial"/>
             </a:endParaRPr>
           </a:p>
         </p:txBody>
       </p:sp>
       <p:sp>
         <p:nvSpPr>
-          <p:cNvPr id="27" name="PlaceHolder 2"/>
+          <p:cNvPr id="24" name="PlaceHolder 2"/>
           <p:cNvSpPr>
             <a:spLocks noGrp="1"/>
           </p:cNvSpPr>
@@ -126,18 +126,15 @@
             <a:normAutofit/>
           </a:bodyPr>
           <a:p>
-            <a:endParaRPr b="0" lang="en-US" sz="2800" spc="-1" strike="noStrike">
-              <a:solidFill>
-                <a:srgbClr val="000000"/>
-              </a:solidFill>
-              <a:latin typeface="Calibri"/>
+            <a:endParaRPr b="0" lang="en-IN" sz="3200" spc="-1" strike="noStrike">
+              <a:latin typeface="Arial"/>
             </a:endParaRPr>
           </a:p>
         </p:txBody>
       </p:sp>
       <p:sp>
         <p:nvSpPr>
-          <p:cNvPr id="28" name="PlaceHolder 3"/>
+          <p:cNvPr id="25" name="PlaceHolder 3"/>
           <p:cNvSpPr>
             <a:spLocks noGrp="1"/>
           </p:cNvSpPr>
@@ -159,11 +156,8 @@
             <a:normAutofit/>
           </a:bodyPr>
           <a:p>
-            <a:endParaRPr b="0" lang="en-US" sz="2800" spc="-1" strike="noStrike">
-              <a:solidFill>
-                <a:srgbClr val="000000"/>
-              </a:solidFill>
-              <a:latin typeface="Calibri"/>
+            <a:endParaRPr b="0" lang="en-IN" sz="3200" spc="-1" strike="noStrike">
+              <a:latin typeface="Arial"/>
             </a:endParaRPr>
           </a:p>
         </p:txBody>
@@ -192,7 +186,7 @@
       </p:grpSpPr>
       <p:sp>
         <p:nvSpPr>
-          <p:cNvPr id="29" name="PlaceHolder 1"/>
+          <p:cNvPr id="26" name="PlaceHolder 1"/>
           <p:cNvSpPr>
             <a:spLocks noGrp="1"/>
           </p:cNvSpPr>
@@ -212,18 +206,16 @@
         <p:txBody>
           <a:bodyPr lIns="0" rIns="0" tIns="0" bIns="0" anchor="ctr"/>
           <a:p>
-            <a:endParaRPr b="0" lang="en-US" sz="1800" spc="-1" strike="noStrike">
-              <a:solidFill>
-                <a:srgbClr val="000000"/>
-              </a:solidFill>
-              <a:latin typeface="Calibri"/>
+            <a:pPr algn="ctr"/>
+            <a:endParaRPr b="0" lang="en-IN" sz="4400" spc="-1" strike="noStrike">
+              <a:latin typeface="Arial"/>
             </a:endParaRPr>
           </a:p>
         </p:txBody>
       </p:sp>
       <p:sp>
         <p:nvSpPr>
-          <p:cNvPr id="30" name="PlaceHolder 2"/>
+          <p:cNvPr id="27" name="PlaceHolder 2"/>
           <p:cNvSpPr>
             <a:spLocks noGrp="1"/>
           </p:cNvSpPr>
@@ -245,18 +237,15 @@
             <a:normAutofit/>
           </a:bodyPr>
           <a:p>
-            <a:endParaRPr b="0" lang="en-US" sz="2800" spc="-1" strike="noStrike">
-              <a:solidFill>
-                <a:srgbClr val="000000"/>
-              </a:solidFill>
-              <a:latin typeface="Calibri"/>
+            <a:endParaRPr b="0" lang="en-IN" sz="3200" spc="-1" strike="noStrike">
+              <a:latin typeface="Arial"/>
             </a:endParaRPr>
           </a:p>
         </p:txBody>
       </p:sp>
       <p:sp>
         <p:nvSpPr>
-          <p:cNvPr id="31" name="PlaceHolder 3"/>
+          <p:cNvPr id="28" name="PlaceHolder 3"/>
           <p:cNvSpPr>
             <a:spLocks noGrp="1"/>
           </p:cNvSpPr>
@@ -278,18 +267,15 @@
             <a:normAutofit/>
           </a:bodyPr>
           <a:p>
-            <a:endParaRPr b="0" lang="en-US" sz="2800" spc="-1" strike="noStrike">
-              <a:solidFill>
-                <a:srgbClr val="000000"/>
-              </a:solidFill>
-              <a:latin typeface="Calibri"/>
+            <a:endParaRPr b="0" lang="en-IN" sz="3200" spc="-1" strike="noStrike">
+              <a:latin typeface="Arial"/>
             </a:endParaRPr>
           </a:p>
         </p:txBody>
       </p:sp>
       <p:sp>
         <p:nvSpPr>
-          <p:cNvPr id="32" name="PlaceHolder 4"/>
+          <p:cNvPr id="29" name="PlaceHolder 4"/>
           <p:cNvSpPr>
             <a:spLocks noGrp="1"/>
           </p:cNvSpPr>
@@ -311,18 +297,15 @@
             <a:normAutofit/>
           </a:bodyPr>
           <a:p>
-            <a:endParaRPr b="0" lang="en-US" sz="2800" spc="-1" strike="noStrike">
-              <a:solidFill>
-                <a:srgbClr val="000000"/>
-              </a:solidFill>
-              <a:latin typeface="Calibri"/>
+            <a:endParaRPr b="0" lang="en-IN" sz="3200" spc="-1" strike="noStrike">
+              <a:latin typeface="Arial"/>
             </a:endParaRPr>
           </a:p>
         </p:txBody>
       </p:sp>
       <p:sp>
         <p:nvSpPr>
-          <p:cNvPr id="33" name="PlaceHolder 5"/>
+          <p:cNvPr id="30" name="PlaceHolder 5"/>
           <p:cNvSpPr>
             <a:spLocks noGrp="1"/>
           </p:cNvSpPr>
@@ -344,11 +327,8 @@
             <a:normAutofit/>
           </a:bodyPr>
           <a:p>
-            <a:endParaRPr b="0" lang="en-US" sz="2800" spc="-1" strike="noStrike">
-              <a:solidFill>
-                <a:srgbClr val="000000"/>
-              </a:solidFill>
-              <a:latin typeface="Calibri"/>
+            <a:endParaRPr b="0" lang="en-IN" sz="3200" spc="-1" strike="noStrike">
+              <a:latin typeface="Arial"/>
             </a:endParaRPr>
           </a:p>
         </p:txBody>
@@ -377,7 +357,7 @@
       </p:grpSpPr>
       <p:sp>
         <p:nvSpPr>
-          <p:cNvPr id="34" name="PlaceHolder 1"/>
+          <p:cNvPr id="31" name="PlaceHolder 1"/>
           <p:cNvSpPr>
             <a:spLocks noGrp="1"/>
           </p:cNvSpPr>
@@ -397,18 +377,16 @@
         <p:txBody>
           <a:bodyPr lIns="0" rIns="0" tIns="0" bIns="0" anchor="ctr"/>
           <a:p>
-            <a:endParaRPr b="0" lang="en-US" sz="1800" spc="-1" strike="noStrike">
-              <a:solidFill>
-                <a:srgbClr val="000000"/>
-              </a:solidFill>
-              <a:latin typeface="Calibri"/>
+            <a:pPr algn="ctr"/>
+            <a:endParaRPr b="0" lang="en-IN" sz="4400" spc="-1" strike="noStrike">
+              <a:latin typeface="Arial"/>
             </a:endParaRPr>
           </a:p>
         </p:txBody>
       </p:sp>
       <p:sp>
         <p:nvSpPr>
-          <p:cNvPr id="35" name="PlaceHolder 2"/>
+          <p:cNvPr id="32" name="PlaceHolder 2"/>
           <p:cNvSpPr>
             <a:spLocks noGrp="1"/>
           </p:cNvSpPr>
@@ -430,18 +408,15 @@
             <a:normAutofit/>
           </a:bodyPr>
           <a:p>
-            <a:endParaRPr b="0" lang="en-US" sz="2800" spc="-1" strike="noStrike">
-              <a:solidFill>
-                <a:srgbClr val="000000"/>
-              </a:solidFill>
-              <a:latin typeface="Calibri"/>
+            <a:endParaRPr b="0" lang="en-IN" sz="3200" spc="-1" strike="noStrike">
+              <a:latin typeface="Arial"/>
             </a:endParaRPr>
           </a:p>
         </p:txBody>
       </p:sp>
       <p:sp>
         <p:nvSpPr>
-          <p:cNvPr id="36" name="PlaceHolder 3"/>
+          <p:cNvPr id="33" name="PlaceHolder 3"/>
           <p:cNvSpPr>
             <a:spLocks noGrp="1"/>
           </p:cNvSpPr>
@@ -463,18 +438,15 @@
             <a:normAutofit/>
           </a:bodyPr>
           <a:p>
-            <a:endParaRPr b="0" lang="en-US" sz="2800" spc="-1" strike="noStrike">
-              <a:solidFill>
-                <a:srgbClr val="000000"/>
-              </a:solidFill>
-              <a:latin typeface="Calibri"/>
+            <a:endParaRPr b="0" lang="en-IN" sz="3200" spc="-1" strike="noStrike">
+              <a:latin typeface="Arial"/>
             </a:endParaRPr>
           </a:p>
         </p:txBody>
       </p:sp>
       <p:sp>
         <p:nvSpPr>
-          <p:cNvPr id="37" name="PlaceHolder 4"/>
+          <p:cNvPr id="34" name="PlaceHolder 4"/>
           <p:cNvSpPr>
             <a:spLocks noGrp="1"/>
           </p:cNvSpPr>
@@ -496,18 +468,15 @@
             <a:normAutofit/>
           </a:bodyPr>
           <a:p>
-            <a:endParaRPr b="0" lang="en-US" sz="2800" spc="-1" strike="noStrike">
-              <a:solidFill>
-                <a:srgbClr val="000000"/>
-              </a:solidFill>
-              <a:latin typeface="Calibri"/>
+            <a:endParaRPr b="0" lang="en-IN" sz="3200" spc="-1" strike="noStrike">
+              <a:latin typeface="Arial"/>
             </a:endParaRPr>
           </a:p>
         </p:txBody>
       </p:sp>
       <p:sp>
         <p:nvSpPr>
-          <p:cNvPr id="38" name="PlaceHolder 5"/>
+          <p:cNvPr id="35" name="PlaceHolder 5"/>
           <p:cNvSpPr>
             <a:spLocks noGrp="1"/>
           </p:cNvSpPr>
@@ -529,18 +498,15 @@
             <a:normAutofit/>
           </a:bodyPr>
           <a:p>
-            <a:endParaRPr b="0" lang="en-US" sz="2800" spc="-1" strike="noStrike">
-              <a:solidFill>
-                <a:srgbClr val="000000"/>
-              </a:solidFill>
-              <a:latin typeface="Calibri"/>
+            <a:endParaRPr b="0" lang="en-IN" sz="3200" spc="-1" strike="noStrike">
+              <a:latin typeface="Arial"/>
             </a:endParaRPr>
           </a:p>
         </p:txBody>
       </p:sp>
       <p:sp>
         <p:nvSpPr>
-          <p:cNvPr id="39" name="PlaceHolder 6"/>
+          <p:cNvPr id="36" name="PlaceHolder 6"/>
           <p:cNvSpPr>
             <a:spLocks noGrp="1"/>
           </p:cNvSpPr>
@@ -562,18 +528,15 @@
             <a:normAutofit/>
           </a:bodyPr>
           <a:p>
-            <a:endParaRPr b="0" lang="en-US" sz="2800" spc="-1" strike="noStrike">
-              <a:solidFill>
-                <a:srgbClr val="000000"/>
-              </a:solidFill>
-              <a:latin typeface="Calibri"/>
+            <a:endParaRPr b="0" lang="en-IN" sz="3200" spc="-1" strike="noStrike">
+              <a:latin typeface="Arial"/>
             </a:endParaRPr>
           </a:p>
         </p:txBody>
       </p:sp>
       <p:sp>
         <p:nvSpPr>
-          <p:cNvPr id="40" name="PlaceHolder 7"/>
+          <p:cNvPr id="37" name="PlaceHolder 7"/>
           <p:cNvSpPr>
             <a:spLocks noGrp="1"/>
           </p:cNvSpPr>
@@ -595,11 +558,8 @@
             <a:normAutofit/>
           </a:bodyPr>
           <a:p>
-            <a:endParaRPr b="0" lang="en-US" sz="2800" spc="-1" strike="noStrike">
-              <a:solidFill>
-                <a:srgbClr val="000000"/>
-              </a:solidFill>
-              <a:latin typeface="Calibri"/>
+            <a:endParaRPr b="0" lang="en-IN" sz="3200" spc="-1" strike="noStrike">
+              <a:latin typeface="Arial"/>
             </a:endParaRPr>
           </a:p>
         </p:txBody>
@@ -628,7 +588,7 @@
       </p:grpSpPr>
       <p:sp>
         <p:nvSpPr>
-          <p:cNvPr id="5" name="PlaceHolder 1"/>
+          <p:cNvPr id="2" name="PlaceHolder 1"/>
           <p:cNvSpPr>
             <a:spLocks noGrp="1"/>
           </p:cNvSpPr>
@@ -648,18 +608,16 @@
         <p:txBody>
           <a:bodyPr lIns="0" rIns="0" tIns="0" bIns="0" anchor="ctr"/>
           <a:p>
-            <a:endParaRPr b="0" lang="en-US" sz="1800" spc="-1" strike="noStrike">
-              <a:solidFill>
-                <a:srgbClr val="000000"/>
-              </a:solidFill>
-              <a:latin typeface="Calibri"/>
+            <a:pPr algn="ctr"/>
+            <a:endParaRPr b="0" lang="en-IN" sz="4400" spc="-1" strike="noStrike">
+              <a:latin typeface="Arial"/>
             </a:endParaRPr>
           </a:p>
         </p:txBody>
       </p:sp>
       <p:sp>
         <p:nvSpPr>
-          <p:cNvPr id="6" name="PlaceHolder 2"/>
+          <p:cNvPr id="3" name="PlaceHolder 2"/>
           <p:cNvSpPr>
             <a:spLocks noGrp="1"/>
           </p:cNvSpPr>
@@ -710,7 +668,7 @@
       </p:grpSpPr>
       <p:sp>
         <p:nvSpPr>
-          <p:cNvPr id="7" name="PlaceHolder 1"/>
+          <p:cNvPr id="4" name="PlaceHolder 1"/>
           <p:cNvSpPr>
             <a:spLocks noGrp="1"/>
           </p:cNvSpPr>
@@ -730,18 +688,16 @@
         <p:txBody>
           <a:bodyPr lIns="0" rIns="0" tIns="0" bIns="0" anchor="ctr"/>
           <a:p>
-            <a:endParaRPr b="0" lang="en-US" sz="1800" spc="-1" strike="noStrike">
-              <a:solidFill>
-                <a:srgbClr val="000000"/>
-              </a:solidFill>
-              <a:latin typeface="Calibri"/>
+            <a:pPr algn="ctr"/>
+            <a:endParaRPr b="0" lang="en-IN" sz="4400" spc="-1" strike="noStrike">
+              <a:latin typeface="Arial"/>
             </a:endParaRPr>
           </a:p>
         </p:txBody>
       </p:sp>
       <p:sp>
         <p:nvSpPr>
-          <p:cNvPr id="8" name="PlaceHolder 2"/>
+          <p:cNvPr id="5" name="PlaceHolder 2"/>
           <p:cNvSpPr>
             <a:spLocks noGrp="1"/>
           </p:cNvSpPr>
@@ -763,11 +719,8 @@
             <a:normAutofit/>
           </a:bodyPr>
           <a:p>
-            <a:endParaRPr b="0" lang="en-US" sz="2800" spc="-1" strike="noStrike">
-              <a:solidFill>
-                <a:srgbClr val="000000"/>
-              </a:solidFill>
-              <a:latin typeface="Calibri"/>
+            <a:endParaRPr b="0" lang="en-IN" sz="3200" spc="-1" strike="noStrike">
+              <a:latin typeface="Arial"/>
             </a:endParaRPr>
           </a:p>
         </p:txBody>
@@ -796,7 +749,7 @@
       </p:grpSpPr>
       <p:sp>
         <p:nvSpPr>
-          <p:cNvPr id="9" name="PlaceHolder 1"/>
+          <p:cNvPr id="6" name="PlaceHolder 1"/>
           <p:cNvSpPr>
             <a:spLocks noGrp="1"/>
           </p:cNvSpPr>
@@ -816,18 +769,16 @@
         <p:txBody>
           <a:bodyPr lIns="0" rIns="0" tIns="0" bIns="0" anchor="ctr"/>
           <a:p>
-            <a:endParaRPr b="0" lang="en-US" sz="1800" spc="-1" strike="noStrike">
-              <a:solidFill>
-                <a:srgbClr val="000000"/>
-              </a:solidFill>
-              <a:latin typeface="Calibri"/>
+            <a:pPr algn="ctr"/>
+            <a:endParaRPr b="0" lang="en-IN" sz="4400" spc="-1" strike="noStrike">
+              <a:latin typeface="Arial"/>
             </a:endParaRPr>
           </a:p>
         </p:txBody>
       </p:sp>
       <p:sp>
         <p:nvSpPr>
-          <p:cNvPr id="10" name="PlaceHolder 2"/>
+          <p:cNvPr id="7" name="PlaceHolder 2"/>
           <p:cNvSpPr>
             <a:spLocks noGrp="1"/>
           </p:cNvSpPr>
@@ -849,18 +800,15 @@
             <a:normAutofit/>
           </a:bodyPr>
           <a:p>
-            <a:endParaRPr b="0" lang="en-US" sz="2800" spc="-1" strike="noStrike">
-              <a:solidFill>
-                <a:srgbClr val="000000"/>
-              </a:solidFill>
-              <a:latin typeface="Calibri"/>
+            <a:endParaRPr b="0" lang="en-IN" sz="3200" spc="-1" strike="noStrike">
+              <a:latin typeface="Arial"/>
             </a:endParaRPr>
           </a:p>
         </p:txBody>
       </p:sp>
       <p:sp>
         <p:nvSpPr>
-          <p:cNvPr id="11" name="PlaceHolder 3"/>
+          <p:cNvPr id="8" name="PlaceHolder 3"/>
           <p:cNvSpPr>
             <a:spLocks noGrp="1"/>
           </p:cNvSpPr>
@@ -882,11 +830,8 @@
             <a:normAutofit/>
           </a:bodyPr>
           <a:p>
-            <a:endParaRPr b="0" lang="en-US" sz="2800" spc="-1" strike="noStrike">
-              <a:solidFill>
-                <a:srgbClr val="000000"/>
-              </a:solidFill>
-              <a:latin typeface="Calibri"/>
+            <a:endParaRPr b="0" lang="en-IN" sz="3200" spc="-1" strike="noStrike">
+              <a:latin typeface="Arial"/>
             </a:endParaRPr>
           </a:p>
         </p:txBody>
@@ -915,7 +860,7 @@
       </p:grpSpPr>
       <p:sp>
         <p:nvSpPr>
-          <p:cNvPr id="12" name="PlaceHolder 1"/>
+          <p:cNvPr id="9" name="PlaceHolder 1"/>
           <p:cNvSpPr>
             <a:spLocks noGrp="1"/>
           </p:cNvSpPr>
@@ -935,11 +880,9 @@
         <p:txBody>
           <a:bodyPr lIns="0" rIns="0" tIns="0" bIns="0" anchor="ctr"/>
           <a:p>
-            <a:endParaRPr b="0" lang="en-US" sz="1800" spc="-1" strike="noStrike">
-              <a:solidFill>
-                <a:srgbClr val="000000"/>
-              </a:solidFill>
-              <a:latin typeface="Calibri"/>
+            <a:pPr algn="ctr"/>
+            <a:endParaRPr b="0" lang="en-IN" sz="4400" spc="-1" strike="noStrike">
+              <a:latin typeface="Arial"/>
             </a:endParaRPr>
           </a:p>
         </p:txBody>
@@ -968,7 +911,7 @@
       </p:grpSpPr>
       <p:sp>
         <p:nvSpPr>
-          <p:cNvPr id="13" name="PlaceHolder 1"/>
+          <p:cNvPr id="10" name="PlaceHolder 1"/>
           <p:cNvSpPr>
             <a:spLocks noGrp="1"/>
           </p:cNvSpPr>
@@ -1019,7 +962,7 @@
       </p:grpSpPr>
       <p:sp>
         <p:nvSpPr>
-          <p:cNvPr id="14" name="PlaceHolder 1"/>
+          <p:cNvPr id="11" name="PlaceHolder 1"/>
           <p:cNvSpPr>
             <a:spLocks noGrp="1"/>
           </p:cNvSpPr>
@@ -1039,18 +982,16 @@
         <p:txBody>
           <a:bodyPr lIns="0" rIns="0" tIns="0" bIns="0" anchor="ctr"/>
           <a:p>
-            <a:endParaRPr b="0" lang="en-US" sz="1800" spc="-1" strike="noStrike">
-              <a:solidFill>
-                <a:srgbClr val="000000"/>
-              </a:solidFill>
-              <a:latin typeface="Calibri"/>
+            <a:pPr algn="ctr"/>
+            <a:endParaRPr b="0" lang="en-IN" sz="4400" spc="-1" strike="noStrike">
+              <a:latin typeface="Arial"/>
             </a:endParaRPr>
           </a:p>
         </p:txBody>
       </p:sp>
       <p:sp>
         <p:nvSpPr>
-          <p:cNvPr id="15" name="PlaceHolder 2"/>
+          <p:cNvPr id="12" name="PlaceHolder 2"/>
           <p:cNvSpPr>
             <a:spLocks noGrp="1"/>
           </p:cNvSpPr>
@@ -1072,18 +1013,15 @@
             <a:normAutofit/>
           </a:bodyPr>
           <a:p>
-            <a:endParaRPr b="0" lang="en-US" sz="2800" spc="-1" strike="noStrike">
-              <a:solidFill>
-                <a:srgbClr val="000000"/>
-              </a:solidFill>
-              <a:latin typeface="Calibri"/>
+            <a:endParaRPr b="0" lang="en-IN" sz="3200" spc="-1" strike="noStrike">
+              <a:latin typeface="Arial"/>
             </a:endParaRPr>
           </a:p>
         </p:txBody>
       </p:sp>
       <p:sp>
         <p:nvSpPr>
-          <p:cNvPr id="16" name="PlaceHolder 3"/>
+          <p:cNvPr id="13" name="PlaceHolder 3"/>
           <p:cNvSpPr>
             <a:spLocks noGrp="1"/>
           </p:cNvSpPr>
@@ -1105,18 +1043,15 @@
             <a:normAutofit/>
           </a:bodyPr>
           <a:p>
-            <a:endParaRPr b="0" lang="en-US" sz="2800" spc="-1" strike="noStrike">
-              <a:solidFill>
-                <a:srgbClr val="000000"/>
-              </a:solidFill>
-              <a:latin typeface="Calibri"/>
+            <a:endParaRPr b="0" lang="en-IN" sz="3200" spc="-1" strike="noStrike">
+              <a:latin typeface="Arial"/>
             </a:endParaRPr>
           </a:p>
         </p:txBody>
       </p:sp>
       <p:sp>
         <p:nvSpPr>
-          <p:cNvPr id="17" name="PlaceHolder 4"/>
+          <p:cNvPr id="14" name="PlaceHolder 4"/>
           <p:cNvSpPr>
             <a:spLocks noGrp="1"/>
           </p:cNvSpPr>
@@ -1138,11 +1073,8 @@
             <a:normAutofit/>
           </a:bodyPr>
           <a:p>
-            <a:endParaRPr b="0" lang="en-US" sz="2800" spc="-1" strike="noStrike">
-              <a:solidFill>
-                <a:srgbClr val="000000"/>
-              </a:solidFill>
-              <a:latin typeface="Calibri"/>
+            <a:endParaRPr b="0" lang="en-IN" sz="3200" spc="-1" strike="noStrike">
+              <a:latin typeface="Arial"/>
             </a:endParaRPr>
           </a:p>
         </p:txBody>
@@ -1171,7 +1103,7 @@
       </p:grpSpPr>
       <p:sp>
         <p:nvSpPr>
-          <p:cNvPr id="18" name="PlaceHolder 1"/>
+          <p:cNvPr id="15" name="PlaceHolder 1"/>
           <p:cNvSpPr>
             <a:spLocks noGrp="1"/>
           </p:cNvSpPr>
@@ -1191,18 +1123,16 @@
         <p:txBody>
           <a:bodyPr lIns="0" rIns="0" tIns="0" bIns="0" anchor="ctr"/>
           <a:p>
-            <a:endParaRPr b="0" lang="en-US" sz="1800" spc="-1" strike="noStrike">
-              <a:solidFill>
-                <a:srgbClr val="000000"/>
-              </a:solidFill>
-              <a:latin typeface="Calibri"/>
+            <a:pPr algn="ctr"/>
+            <a:endParaRPr b="0" lang="en-IN" sz="4400" spc="-1" strike="noStrike">
+              <a:latin typeface="Arial"/>
             </a:endParaRPr>
           </a:p>
         </p:txBody>
       </p:sp>
       <p:sp>
         <p:nvSpPr>
-          <p:cNvPr id="19" name="PlaceHolder 2"/>
+          <p:cNvPr id="16" name="PlaceHolder 2"/>
           <p:cNvSpPr>
             <a:spLocks noGrp="1"/>
           </p:cNvSpPr>
@@ -1224,18 +1154,15 @@
             <a:normAutofit/>
           </a:bodyPr>
           <a:p>
-            <a:endParaRPr b="0" lang="en-US" sz="2800" spc="-1" strike="noStrike">
-              <a:solidFill>
-                <a:srgbClr val="000000"/>
-              </a:solidFill>
-              <a:latin typeface="Calibri"/>
+            <a:endParaRPr b="0" lang="en-IN" sz="3200" spc="-1" strike="noStrike">
+              <a:latin typeface="Arial"/>
             </a:endParaRPr>
           </a:p>
         </p:txBody>
       </p:sp>
       <p:sp>
         <p:nvSpPr>
-          <p:cNvPr id="20" name="PlaceHolder 3"/>
+          <p:cNvPr id="17" name="PlaceHolder 3"/>
           <p:cNvSpPr>
             <a:spLocks noGrp="1"/>
           </p:cNvSpPr>
@@ -1257,18 +1184,15 @@
             <a:normAutofit/>
           </a:bodyPr>
           <a:p>
-            <a:endParaRPr b="0" lang="en-US" sz="2800" spc="-1" strike="noStrike">
-              <a:solidFill>
-                <a:srgbClr val="000000"/>
-              </a:solidFill>
-              <a:latin typeface="Calibri"/>
+            <a:endParaRPr b="0" lang="en-IN" sz="3200" spc="-1" strike="noStrike">
+              <a:latin typeface="Arial"/>
             </a:endParaRPr>
           </a:p>
         </p:txBody>
       </p:sp>
       <p:sp>
         <p:nvSpPr>
-          <p:cNvPr id="21" name="PlaceHolder 4"/>
+          <p:cNvPr id="18" name="PlaceHolder 4"/>
           <p:cNvSpPr>
             <a:spLocks noGrp="1"/>
           </p:cNvSpPr>
@@ -1290,11 +1214,8 @@
             <a:normAutofit/>
           </a:bodyPr>
           <a:p>
-            <a:endParaRPr b="0" lang="en-US" sz="2800" spc="-1" strike="noStrike">
-              <a:solidFill>
-                <a:srgbClr val="000000"/>
-              </a:solidFill>
-              <a:latin typeface="Calibri"/>
+            <a:endParaRPr b="0" lang="en-IN" sz="3200" spc="-1" strike="noStrike">
+              <a:latin typeface="Arial"/>
             </a:endParaRPr>
           </a:p>
         </p:txBody>
@@ -1323,7 +1244,7 @@
       </p:grpSpPr>
       <p:sp>
         <p:nvSpPr>
-          <p:cNvPr id="22" name="PlaceHolder 1"/>
+          <p:cNvPr id="19" name="PlaceHolder 1"/>
           <p:cNvSpPr>
             <a:spLocks noGrp="1"/>
           </p:cNvSpPr>
@@ -1343,18 +1264,16 @@
         <p:txBody>
           <a:bodyPr lIns="0" rIns="0" tIns="0" bIns="0" anchor="ctr"/>
           <a:p>
-            <a:endParaRPr b="0" lang="en-US" sz="1800" spc="-1" strike="noStrike">
-              <a:solidFill>
-                <a:srgbClr val="000000"/>
-              </a:solidFill>
-              <a:latin typeface="Calibri"/>
+            <a:pPr algn="ctr"/>
+            <a:endParaRPr b="0" lang="en-IN" sz="4400" spc="-1" strike="noStrike">
+              <a:latin typeface="Arial"/>
             </a:endParaRPr>
           </a:p>
         </p:txBody>
       </p:sp>
       <p:sp>
         <p:nvSpPr>
-          <p:cNvPr id="23" name="PlaceHolder 2"/>
+          <p:cNvPr id="20" name="PlaceHolder 2"/>
           <p:cNvSpPr>
             <a:spLocks noGrp="1"/>
           </p:cNvSpPr>
@@ -1376,18 +1295,15 @@
             <a:normAutofit/>
           </a:bodyPr>
           <a:p>
-            <a:endParaRPr b="0" lang="en-US" sz="2800" spc="-1" strike="noStrike">
-              <a:solidFill>
-                <a:srgbClr val="000000"/>
-              </a:solidFill>
-              <a:latin typeface="Calibri"/>
+            <a:endParaRPr b="0" lang="en-IN" sz="3200" spc="-1" strike="noStrike">
+              <a:latin typeface="Arial"/>
             </a:endParaRPr>
           </a:p>
         </p:txBody>
       </p:sp>
       <p:sp>
         <p:nvSpPr>
-          <p:cNvPr id="24" name="PlaceHolder 3"/>
+          <p:cNvPr id="21" name="PlaceHolder 3"/>
           <p:cNvSpPr>
             <a:spLocks noGrp="1"/>
           </p:cNvSpPr>
@@ -1409,18 +1325,15 @@
             <a:normAutofit/>
           </a:bodyPr>
           <a:p>
-            <a:endParaRPr b="0" lang="en-US" sz="2800" spc="-1" strike="noStrike">
-              <a:solidFill>
-                <a:srgbClr val="000000"/>
-              </a:solidFill>
-              <a:latin typeface="Calibri"/>
+            <a:endParaRPr b="0" lang="en-IN" sz="3200" spc="-1" strike="noStrike">
+              <a:latin typeface="Arial"/>
             </a:endParaRPr>
           </a:p>
         </p:txBody>
       </p:sp>
       <p:sp>
         <p:nvSpPr>
-          <p:cNvPr id="25" name="PlaceHolder 4"/>
+          <p:cNvPr id="22" name="PlaceHolder 4"/>
           <p:cNvSpPr>
             <a:spLocks noGrp="1"/>
           </p:cNvSpPr>
@@ -1442,11 +1355,8 @@
             <a:normAutofit/>
           </a:bodyPr>
           <a:p>
-            <a:endParaRPr b="0" lang="en-US" sz="2800" spc="-1" strike="noStrike">
-              <a:solidFill>
-                <a:srgbClr val="000000"/>
-              </a:solidFill>
-              <a:latin typeface="Calibri"/>
+            <a:endParaRPr b="0" lang="en-IN" sz="3200" spc="-1" strike="noStrike">
+              <a:latin typeface="Arial"/>
             </a:endParaRPr>
           </a:p>
         </p:txBody>
@@ -1487,37 +1397,30 @@
             <a:spLocks noGrp="1"/>
           </p:cNvSpPr>
           <p:nvPr>
-            <p:ph type="dt"/>
+            <p:ph type="title"/>
           </p:nvPr>
         </p:nvSpPr>
         <p:spPr>
           <a:xfrm>
-            <a:off x="838080" y="6356520"/>
-            <a:ext cx="2742840" cy="364680"/>
+            <a:off x="609480" y="273600"/>
+            <a:ext cx="10972440" cy="1144800"/>
           </a:xfrm>
           <a:prstGeom prst="rect">
             <a:avLst/>
           </a:prstGeom>
         </p:spPr>
         <p:txBody>
-          <a:bodyPr anchor="ctr"/>
-          <a:p>
-            <a:pPr>
-              <a:lnSpc>
-                <a:spcPct val="100000"/>
-              </a:lnSpc>
-            </a:pPr>
-            <a:fld id="{5667A7A3-AA35-4534-B71A-ACE304797162}" type="datetime">
-              <a:rPr b="0" lang="en-IN" sz="1200" spc="-1" strike="noStrike">
-                <a:solidFill>
-                  <a:srgbClr val="8b8b8b"/>
-                </a:solidFill>
-                <a:latin typeface="Calibri"/>
+          <a:bodyPr lIns="0" rIns="0" tIns="0" bIns="0" anchor="ctr"/>
+          <a:p>
+            <a:pPr algn="ctr"/>
+            <a:r>
+              <a:rPr b="0" lang="en-IN" sz="4400" spc="-1" strike="noStrike">
+                <a:latin typeface="Arial"/>
               </a:rPr>
-              <a:t>08/06/20</a:t>
-            </a:fld>
-            <a:endParaRPr b="0" lang="en-IN" sz="1200" spc="-1" strike="noStrike">
-              <a:latin typeface="Times New Roman"/>
+              <a:t>Click to edit the title text format</a:t>
+            </a:r>
+            <a:endParaRPr b="0" lang="en-IN" sz="4400" spc="-1" strike="noStrike">
+              <a:latin typeface="Arial"/>
             </a:endParaRPr>
           </a:p>
         </p:txBody>
@@ -1525,116 +1428,6 @@
       <p:sp>
         <p:nvSpPr>
           <p:cNvPr id="1" name="PlaceHolder 2"/>
-          <p:cNvSpPr>
-            <a:spLocks noGrp="1"/>
-          </p:cNvSpPr>
-          <p:nvPr>
-            <p:ph type="ftr"/>
-          </p:nvPr>
-        </p:nvSpPr>
-        <p:spPr>
-          <a:xfrm>
-            <a:off x="4038480" y="6356520"/>
-            <a:ext cx="4114440" cy="364680"/>
-          </a:xfrm>
-          <a:prstGeom prst="rect">
-            <a:avLst/>
-          </a:prstGeom>
-        </p:spPr>
-        <p:txBody>
-          <a:bodyPr anchor="ctr"/>
-          <a:p>
-            <a:endParaRPr b="0" lang="en-IN" sz="2400" spc="-1" strike="noStrike">
-              <a:latin typeface="Times New Roman"/>
-            </a:endParaRPr>
-          </a:p>
-        </p:txBody>
-      </p:sp>
-      <p:sp>
-        <p:nvSpPr>
-          <p:cNvPr id="2" name="PlaceHolder 3"/>
-          <p:cNvSpPr>
-            <a:spLocks noGrp="1"/>
-          </p:cNvSpPr>
-          <p:nvPr>
-            <p:ph type="sldNum"/>
-          </p:nvPr>
-        </p:nvSpPr>
-        <p:spPr>
-          <a:xfrm>
-            <a:off x="8610480" y="6356520"/>
-            <a:ext cx="2742840" cy="364680"/>
-          </a:xfrm>
-          <a:prstGeom prst="rect">
-            <a:avLst/>
-          </a:prstGeom>
-        </p:spPr>
-        <p:txBody>
-          <a:bodyPr anchor="ctr"/>
-          <a:p>
-            <a:pPr algn="r">
-              <a:lnSpc>
-                <a:spcPct val="100000"/>
-              </a:lnSpc>
-            </a:pPr>
-            <a:fld id="{C9B77DBF-6FB5-4A32-A3F4-6150CF0BE3F0}" type="slidenum">
-              <a:rPr b="0" lang="en-IN" sz="1200" spc="-1" strike="noStrike">
-                <a:solidFill>
-                  <a:srgbClr val="8b8b8b"/>
-                </a:solidFill>
-                <a:latin typeface="Calibri"/>
-              </a:rPr>
-              <a:t>&lt;number&gt;</a:t>
-            </a:fld>
-            <a:endParaRPr b="0" lang="en-IN" sz="1200" spc="-1" strike="noStrike">
-              <a:latin typeface="Times New Roman"/>
-            </a:endParaRPr>
-          </a:p>
-        </p:txBody>
-      </p:sp>
-      <p:sp>
-        <p:nvSpPr>
-          <p:cNvPr id="3" name="PlaceHolder 4"/>
-          <p:cNvSpPr>
-            <a:spLocks noGrp="1"/>
-          </p:cNvSpPr>
-          <p:nvPr>
-            <p:ph type="title"/>
-          </p:nvPr>
-        </p:nvSpPr>
-        <p:spPr>
-          <a:xfrm>
-            <a:off x="609480" y="273600"/>
-            <a:ext cx="10972440" cy="1144800"/>
-          </a:xfrm>
-          <a:prstGeom prst="rect">
-            <a:avLst/>
-          </a:prstGeom>
-        </p:spPr>
-        <p:txBody>
-          <a:bodyPr lIns="0" rIns="0" tIns="0" bIns="0" anchor="ctr"/>
-          <a:p>
-            <a:r>
-              <a:rPr b="0" lang="en-US" sz="1800" spc="-1" strike="noStrike">
-                <a:solidFill>
-                  <a:srgbClr val="000000"/>
-                </a:solidFill>
-                <a:latin typeface="Calibri"/>
-              </a:rPr>
-              <a:t>Click to edit the title text format</a:t>
-            </a:r>
-            <a:endParaRPr b="0" lang="en-US" sz="1800" spc="-1" strike="noStrike">
-              <a:solidFill>
-                <a:srgbClr val="000000"/>
-              </a:solidFill>
-              <a:latin typeface="Calibri"/>
-            </a:endParaRPr>
-          </a:p>
-        </p:txBody>
-      </p:sp>
-      <p:sp>
-        <p:nvSpPr>
-          <p:cNvPr id="4" name="PlaceHolder 5"/>
           <p:cNvSpPr>
             <a:spLocks noGrp="1"/>
           </p:cNvSpPr>
@@ -1668,19 +1461,13 @@
               <a:buChar char=""/>
             </a:pPr>
             <a:r>
-              <a:rPr b="0" lang="en-US" sz="2800" spc="-1" strike="noStrike">
-                <a:solidFill>
-                  <a:srgbClr val="000000"/>
-                </a:solidFill>
-                <a:latin typeface="Calibri"/>
+              <a:rPr b="0" lang="en-IN" sz="3200" spc="-1" strike="noStrike">
+                <a:latin typeface="Arial"/>
               </a:rPr>
               <a:t>Click to edit the outline text format</a:t>
             </a:r>
-            <a:endParaRPr b="0" lang="en-US" sz="2800" spc="-1" strike="noStrike">
-              <a:solidFill>
-                <a:srgbClr val="000000"/>
-              </a:solidFill>
-              <a:latin typeface="Calibri"/>
+            <a:endParaRPr b="0" lang="en-IN" sz="3200" spc="-1" strike="noStrike">
+              <a:latin typeface="Arial"/>
             </a:endParaRPr>
           </a:p>
           <a:p>
@@ -1696,19 +1483,13 @@
               <a:buChar char=""/>
             </a:pPr>
             <a:r>
-              <a:rPr b="0" lang="en-US" sz="2000" spc="-1" strike="noStrike">
-                <a:solidFill>
-                  <a:srgbClr val="000000"/>
-                </a:solidFill>
-                <a:latin typeface="Calibri"/>
+              <a:rPr b="0" lang="en-IN" sz="2800" spc="-1" strike="noStrike">
+                <a:latin typeface="Arial"/>
               </a:rPr>
               <a:t>Second Outline Level</a:t>
             </a:r>
-            <a:endParaRPr b="0" lang="en-US" sz="2000" spc="-1" strike="noStrike">
-              <a:solidFill>
-                <a:srgbClr val="000000"/>
-              </a:solidFill>
-              <a:latin typeface="Calibri"/>
+            <a:endParaRPr b="0" lang="en-IN" sz="2800" spc="-1" strike="noStrike">
+              <a:latin typeface="Arial"/>
             </a:endParaRPr>
           </a:p>
           <a:p>
@@ -1724,19 +1505,13 @@
               <a:buChar char=""/>
             </a:pPr>
             <a:r>
-              <a:rPr b="0" lang="en-US" sz="1800" spc="-1" strike="noStrike">
-                <a:solidFill>
-                  <a:srgbClr val="000000"/>
-                </a:solidFill>
-                <a:latin typeface="Calibri"/>
+              <a:rPr b="0" lang="en-IN" sz="2400" spc="-1" strike="noStrike">
+                <a:latin typeface="Arial"/>
               </a:rPr>
               <a:t>Third Outline Level</a:t>
             </a:r>
-            <a:endParaRPr b="0" lang="en-US" sz="1800" spc="-1" strike="noStrike">
-              <a:solidFill>
-                <a:srgbClr val="000000"/>
-              </a:solidFill>
-              <a:latin typeface="Calibri"/>
+            <a:endParaRPr b="0" lang="en-IN" sz="2400" spc="-1" strike="noStrike">
+              <a:latin typeface="Arial"/>
             </a:endParaRPr>
           </a:p>
           <a:p>
@@ -1752,19 +1527,13 @@
               <a:buChar char=""/>
             </a:pPr>
             <a:r>
-              <a:rPr b="0" lang="en-US" sz="1800" spc="-1" strike="noStrike">
-                <a:solidFill>
-                  <a:srgbClr val="000000"/>
-                </a:solidFill>
-                <a:latin typeface="Calibri"/>
+              <a:rPr b="0" lang="en-IN" sz="2000" spc="-1" strike="noStrike">
+                <a:latin typeface="Arial"/>
               </a:rPr>
               <a:t>Fourth Outline Level</a:t>
             </a:r>
-            <a:endParaRPr b="0" lang="en-US" sz="1800" spc="-1" strike="noStrike">
-              <a:solidFill>
-                <a:srgbClr val="000000"/>
-              </a:solidFill>
-              <a:latin typeface="Calibri"/>
+            <a:endParaRPr b="0" lang="en-IN" sz="2000" spc="-1" strike="noStrike">
+              <a:latin typeface="Arial"/>
             </a:endParaRPr>
           </a:p>
           <a:p>
@@ -1780,19 +1549,13 @@
               <a:buChar char=""/>
             </a:pPr>
             <a:r>
-              <a:rPr b="0" lang="en-US" sz="2000" spc="-1" strike="noStrike">
-                <a:solidFill>
-                  <a:srgbClr val="000000"/>
-                </a:solidFill>
-                <a:latin typeface="Calibri"/>
+              <a:rPr b="0" lang="en-IN" sz="2000" spc="-1" strike="noStrike">
+                <a:latin typeface="Arial"/>
               </a:rPr>
               <a:t>Fifth Outline Level</a:t>
             </a:r>
-            <a:endParaRPr b="0" lang="en-US" sz="2000" spc="-1" strike="noStrike">
-              <a:solidFill>
-                <a:srgbClr val="000000"/>
-              </a:solidFill>
-              <a:latin typeface="Calibri"/>
+            <a:endParaRPr b="0" lang="en-IN" sz="2000" spc="-1" strike="noStrike">
+              <a:latin typeface="Arial"/>
             </a:endParaRPr>
           </a:p>
           <a:p>
@@ -1808,19 +1571,13 @@
               <a:buChar char=""/>
             </a:pPr>
             <a:r>
-              <a:rPr b="0" lang="en-US" sz="2000" spc="-1" strike="noStrike">
-                <a:solidFill>
-                  <a:srgbClr val="000000"/>
-                </a:solidFill>
-                <a:latin typeface="Calibri"/>
+              <a:rPr b="0" lang="en-IN" sz="2000" spc="-1" strike="noStrike">
+                <a:latin typeface="Arial"/>
               </a:rPr>
               <a:t>Sixth Outline Level</a:t>
             </a:r>
-            <a:endParaRPr b="0" lang="en-US" sz="2000" spc="-1" strike="noStrike">
-              <a:solidFill>
-                <a:srgbClr val="000000"/>
-              </a:solidFill>
-              <a:latin typeface="Calibri"/>
+            <a:endParaRPr b="0" lang="en-IN" sz="2000" spc="-1" strike="noStrike">
+              <a:latin typeface="Arial"/>
             </a:endParaRPr>
           </a:p>
           <a:p>
@@ -1836,19 +1593,13 @@
               <a:buChar char=""/>
             </a:pPr>
             <a:r>
-              <a:rPr b="0" lang="en-US" sz="2000" spc="-1" strike="noStrike">
-                <a:solidFill>
-                  <a:srgbClr val="000000"/>
-                </a:solidFill>
-                <a:latin typeface="Calibri"/>
+              <a:rPr b="0" lang="en-IN" sz="2000" spc="-1" strike="noStrike">
+                <a:latin typeface="Arial"/>
               </a:rPr>
               <a:t>Seventh Outline Level</a:t>
             </a:r>
-            <a:endParaRPr b="0" lang="en-US" sz="2000" spc="-1" strike="noStrike">
-              <a:solidFill>
-                <a:srgbClr val="000000"/>
-              </a:solidFill>
-              <a:latin typeface="Calibri"/>
+            <a:endParaRPr b="0" lang="en-IN" sz="2000" spc="-1" strike="noStrike">
+              <a:latin typeface="Arial"/>
             </a:endParaRPr>
           </a:p>
         </p:txBody>
@@ -1890,39 +1641,16 @@
           <a:chExt cx="0" cy="0"/>
         </a:xfrm>
       </p:grpSpPr>
-      <p:pic>
-        <p:nvPicPr>
-          <p:cNvPr id="41" name="Picture 2" descr=""/>
-          <p:cNvPicPr/>
-          <p:nvPr/>
-        </p:nvPicPr>
-        <p:blipFill>
-          <a:blip r:embed="rId1"/>
-          <a:stretch/>
-        </p:blipFill>
-        <p:spPr>
-          <a:xfrm>
-            <a:off x="720000" y="832320"/>
-            <a:ext cx="10690200" cy="6025320"/>
-          </a:xfrm>
-          <a:prstGeom prst="rect">
-            <a:avLst/>
-          </a:prstGeom>
-          <a:ln>
-            <a:noFill/>
-          </a:ln>
-        </p:spPr>
-      </p:pic>
       <p:sp>
         <p:nvSpPr>
-          <p:cNvPr id="42" name="CustomShape 1"/>
-          <p:cNvSpPr/>
+          <p:cNvPr id="38" name="TextShape 1"/>
+          <p:cNvSpPr txBox="1"/>
           <p:nvPr/>
         </p:nvSpPr>
         <p:spPr>
           <a:xfrm>
-            <a:off x="720000" y="186120"/>
-            <a:ext cx="10690200" cy="639000"/>
+            <a:off x="2304000" y="2308680"/>
+            <a:ext cx="8212320" cy="715320"/>
           </a:xfrm>
           <a:prstGeom prst="rect">
             <a:avLst/>
@@ -1932,49 +1660,50 @@
             <a:noFill/>
           </a:ln>
         </p:spPr>
-        <p:style>
-          <a:lnRef idx="0"/>
-          <a:fillRef idx="0"/>
-          <a:effectRef idx="0"/>
-          <a:fontRef idx="minor"/>
-        </p:style>
         <p:txBody>
           <a:bodyPr lIns="90000" rIns="90000" tIns="45000" bIns="45000"/>
           <a:p>
-            <a:pPr>
-              <a:lnSpc>
-                <a:spcPct val="100000"/>
-              </a:lnSpc>
-            </a:pPr>
             <a:r>
-              <a:rPr b="0" lang="en-IN" sz="1800" spc="-1" strike="noStrike">
-                <a:solidFill>
-                  <a:srgbClr val="000000"/>
-                </a:solidFill>
-                <a:latin typeface="Calibri"/>
+              <a:rPr b="0" lang="en-IN" sz="4400" spc="-1" strike="noStrike">
+                <a:latin typeface="Arial"/>
               </a:rPr>
-              <a:t>Admin Login:</a:t>
+              <a:t>BADMINTON SERVER VER 1.0</a:t>
             </a:r>
-            <a:endParaRPr b="0" lang="en-IN" sz="1800" spc="-1" strike="noStrike">
-              <a:latin typeface="Arial"/>
-            </a:endParaRPr>
-          </a:p>
-          <a:p>
-            <a:pPr>
-              <a:lnSpc>
-                <a:spcPct val="100000"/>
-              </a:lnSpc>
-            </a:pPr>
+            <a:endParaRPr b="0" lang="en-IN" sz="4400" spc="-1" strike="noStrike">
+              <a:latin typeface="Arial"/>
+            </a:endParaRPr>
+          </a:p>
+        </p:txBody>
+      </p:sp>
+      <p:sp>
+        <p:nvSpPr>
+          <p:cNvPr id="39" name="TextShape 2"/>
+          <p:cNvSpPr txBox="1"/>
+          <p:nvPr/>
+        </p:nvSpPr>
+        <p:spPr>
+          <a:xfrm>
+            <a:off x="7726320" y="3456000"/>
+            <a:ext cx="2713680" cy="546120"/>
+          </a:xfrm>
+          <a:prstGeom prst="rect">
+            <a:avLst/>
+          </a:prstGeom>
+          <a:noFill/>
+          <a:ln>
+            <a:noFill/>
+          </a:ln>
+        </p:spPr>
+        <p:txBody>
+          <a:bodyPr lIns="90000" rIns="90000" tIns="45000" bIns="45000"/>
+          <a:p>
             <a:r>
-              <a:rPr b="0" lang="en-IN" sz="1800" spc="-1" strike="noStrike">
-                <a:solidFill>
-                  <a:srgbClr val="000000"/>
-                </a:solidFill>
-                <a:latin typeface="Calibri"/>
+              <a:rPr b="0" lang="en-IN" sz="3200" spc="-1" strike="noStrike">
+                <a:latin typeface="Arial"/>
               </a:rPr>
-              <a:t>Enter the registered mail Id and password. </a:t>
+              <a:t>USER GUIDE</a:t>
             </a:r>
-            <a:endParaRPr b="0" lang="en-IN" sz="1800" spc="-1" strike="noStrike">
+            <a:endParaRPr b="0" lang="en-IN" sz="3200" spc="-1" strike="noStrike">
               <a:latin typeface="Arial"/>
             </a:endParaRPr>
           </a:p>
@@ -1982,33 +1711,6 @@
       </p:sp>
     </p:spTree>
   </p:cSld>
-  <p:timing>
-    <p:tnLst>
-      <p:par>
-        <p:cTn id="1" dur="indefinite" restart="never" nodeType="tmRoot">
-          <p:childTnLst>
-            <p:seq>
-              <p:cTn id="2" dur="indefinite" nodeType="mainSeq"/>
-              <p:prevCondLst>
-                <p:cond delay="0" evt="onPrev">
-                  <p:tgtEl>
-                    <p:sldTgt/>
-                  </p:tgtEl>
-                </p:cond>
-              </p:prevCondLst>
-              <p:nextCondLst>
-                <p:cond delay="0" evt="onNext">
-                  <p:tgtEl>
-                    <p:sldTgt/>
-                  </p:tgtEl>
-                </p:cond>
-              </p:nextCondLst>
-            </p:seq>
-          </p:childTnLst>
-        </p:cTn>
-      </p:par>
-    </p:tnLst>
-  </p:timing>
 </p:sld>
 </file>
 
@@ -2031,7 +1733,7 @@
       </p:grpSpPr>
       <p:pic>
         <p:nvPicPr>
-          <p:cNvPr id="79" name="Picture 1" descr=""/>
+          <p:cNvPr id="67" name="Picture 1" descr=""/>
           <p:cNvPicPr/>
           <p:nvPr/>
         </p:nvPicPr>
@@ -2041,20 +1743,20 @@
         </p:blipFill>
         <p:spPr>
           <a:xfrm>
-            <a:off x="0" y="573480"/>
-            <a:ext cx="12191760" cy="5710320"/>
-          </a:xfrm>
-          <a:prstGeom prst="rect">
-            <a:avLst/>
-          </a:prstGeom>
-          <a:ln>
-            <a:noFill/>
-          </a:ln>
-        </p:spPr>
-      </p:pic>
-      <p:pic>
-        <p:nvPicPr>
-          <p:cNvPr id="80" name="Picture 2" descr=""/>
+            <a:off x="0" y="558000"/>
+            <a:ext cx="12191400" cy="5741640"/>
+          </a:xfrm>
+          <a:prstGeom prst="rect">
+            <a:avLst/>
+          </a:prstGeom>
+          <a:ln>
+            <a:noFill/>
+          </a:ln>
+        </p:spPr>
+      </p:pic>
+      <p:pic>
+        <p:nvPicPr>
+          <p:cNvPr id="68" name="Picture 2" descr=""/>
           <p:cNvPicPr/>
           <p:nvPr/>
         </p:nvPicPr>
@@ -2064,20 +1766,20 @@
         </p:blipFill>
         <p:spPr>
           <a:xfrm>
-            <a:off x="4795560" y="944280"/>
-            <a:ext cx="2118960" cy="487800"/>
-          </a:xfrm>
-          <a:prstGeom prst="rect">
-            <a:avLst/>
-          </a:prstGeom>
-          <a:ln>
-            <a:noFill/>
-          </a:ln>
-        </p:spPr>
-      </p:pic>
-      <p:pic>
-        <p:nvPicPr>
-          <p:cNvPr id="81" name="Picture 3" descr=""/>
+            <a:off x="4746960" y="973440"/>
+            <a:ext cx="2118600" cy="487440"/>
+          </a:xfrm>
+          <a:prstGeom prst="rect">
+            <a:avLst/>
+          </a:prstGeom>
+          <a:ln>
+            <a:noFill/>
+          </a:ln>
+        </p:spPr>
+      </p:pic>
+      <p:pic>
+        <p:nvPicPr>
+          <p:cNvPr id="69" name="Picture 3" descr=""/>
           <p:cNvPicPr/>
           <p:nvPr/>
         </p:nvPicPr>
@@ -2087,8 +1789,8 @@
         </p:blipFill>
         <p:spPr>
           <a:xfrm>
-            <a:off x="0" y="573480"/>
-            <a:ext cx="6468480" cy="340920"/>
+            <a:off x="0" y="558000"/>
+            <a:ext cx="6468120" cy="340560"/>
           </a:xfrm>
           <a:prstGeom prst="rect">
             <a:avLst/>
@@ -2100,14 +1802,14 @@
       </p:pic>
       <p:sp>
         <p:nvSpPr>
-          <p:cNvPr id="82" name="CustomShape 1"/>
+          <p:cNvPr id="70" name="CustomShape 1"/>
           <p:cNvSpPr/>
           <p:nvPr/>
         </p:nvSpPr>
         <p:spPr>
           <a:xfrm>
             <a:off x="476640" y="35640"/>
-            <a:ext cx="10690200" cy="364680"/>
+            <a:ext cx="10689840" cy="364320"/>
           </a:xfrm>
           <a:prstGeom prst="rect">
             <a:avLst/>
@@ -2137,8 +1839,9 @@
                   <a:srgbClr val="000000"/>
                 </a:solidFill>
                 <a:latin typeface="Calibri"/>
+                <a:ea typeface="DejaVu Sans"/>
               </a:rPr>
-              <a:t>Enter the institute name.</a:t>
+              <a:t>Select the city associated with state.</a:t>
             </a:r>
             <a:endParaRPr b="0" lang="en-IN" sz="1800" spc="-1" strike="noStrike">
               <a:latin typeface="Arial"/>
@@ -2148,7 +1851,7 @@
       </p:sp>
       <p:pic>
         <p:nvPicPr>
-          <p:cNvPr id="83" name="Picture 5" descr=""/>
+          <p:cNvPr id="71" name="Picture 5" descr=""/>
           <p:cNvPicPr/>
           <p:nvPr/>
         </p:nvPicPr>
@@ -2158,20 +1861,20 @@
         </p:blipFill>
         <p:spPr>
           <a:xfrm>
-            <a:off x="1974600" y="627840"/>
-            <a:ext cx="825480" cy="232200"/>
-          </a:xfrm>
-          <a:prstGeom prst="rect">
-            <a:avLst/>
-          </a:prstGeom>
-          <a:ln>
-            <a:noFill/>
-          </a:ln>
-        </p:spPr>
-      </p:pic>
-      <p:pic>
-        <p:nvPicPr>
-          <p:cNvPr id="84" name="" descr=""/>
+            <a:off x="2032920" y="623520"/>
+            <a:ext cx="825120" cy="231840"/>
+          </a:xfrm>
+          <a:prstGeom prst="rect">
+            <a:avLst/>
+          </a:prstGeom>
+          <a:ln>
+            <a:noFill/>
+          </a:ln>
+        </p:spPr>
+      </p:pic>
+      <p:pic>
+        <p:nvPicPr>
+          <p:cNvPr id="72" name="" descr=""/>
           <p:cNvPicPr/>
           <p:nvPr/>
         </p:nvPicPr>
@@ -2181,8 +1884,8 @@
         </p:blipFill>
         <p:spPr>
           <a:xfrm>
-            <a:off x="4137840" y="573480"/>
-            <a:ext cx="686160" cy="336240"/>
+            <a:off x="4137840" y="558000"/>
+            <a:ext cx="685800" cy="335880"/>
           </a:xfrm>
           <a:prstGeom prst="rect">
             <a:avLst/>
@@ -2197,10 +1900,10 @@
   <p:timing>
     <p:tnLst>
       <p:par>
-        <p:cTn id="19" dur="indefinite" restart="never" nodeType="tmRoot">
+        <p:cTn id="15" dur="indefinite" restart="never" nodeType="tmRoot">
           <p:childTnLst>
             <p:seq>
-              <p:cTn id="20" dur="indefinite" nodeType="mainSeq"/>
+              <p:cTn id="16" dur="indefinite" nodeType="mainSeq"/>
               <p:prevCondLst>
                 <p:cond delay="0" evt="onPrev">
                   <p:tgtEl>
@@ -2243,7 +1946,7 @@
       </p:grpSpPr>
       <p:pic>
         <p:nvPicPr>
-          <p:cNvPr id="85" name="Picture 1" descr=""/>
+          <p:cNvPr id="73" name="Picture 1" descr=""/>
           <p:cNvPicPr/>
           <p:nvPr/>
         </p:nvPicPr>
@@ -2253,20 +1956,20 @@
         </p:blipFill>
         <p:spPr>
           <a:xfrm>
-            <a:off x="0" y="567360"/>
-            <a:ext cx="12191760" cy="5723280"/>
-          </a:xfrm>
-          <a:prstGeom prst="rect">
-            <a:avLst/>
-          </a:prstGeom>
-          <a:ln>
-            <a:noFill/>
-          </a:ln>
-        </p:spPr>
-      </p:pic>
-      <p:pic>
-        <p:nvPicPr>
-          <p:cNvPr id="86" name="Picture 2" descr=""/>
+            <a:off x="0" y="558000"/>
+            <a:ext cx="12191400" cy="5741640"/>
+          </a:xfrm>
+          <a:prstGeom prst="rect">
+            <a:avLst/>
+          </a:prstGeom>
+          <a:ln>
+            <a:noFill/>
+          </a:ln>
+        </p:spPr>
+      </p:pic>
+      <p:pic>
+        <p:nvPicPr>
+          <p:cNvPr id="74" name="Picture 2" descr=""/>
           <p:cNvPicPr/>
           <p:nvPr/>
         </p:nvPicPr>
@@ -2277,19 +1980,19 @@
         <p:spPr>
           <a:xfrm>
             <a:off x="4825080" y="944280"/>
-            <a:ext cx="2118960" cy="487800"/>
-          </a:xfrm>
-          <a:prstGeom prst="rect">
-            <a:avLst/>
-          </a:prstGeom>
-          <a:ln>
-            <a:noFill/>
-          </a:ln>
-        </p:spPr>
-      </p:pic>
-      <p:pic>
-        <p:nvPicPr>
-          <p:cNvPr id="87" name="Picture 3" descr=""/>
+            <a:ext cx="2118600" cy="487440"/>
+          </a:xfrm>
+          <a:prstGeom prst="rect">
+            <a:avLst/>
+          </a:prstGeom>
+          <a:ln>
+            <a:noFill/>
+          </a:ln>
+        </p:spPr>
+      </p:pic>
+      <p:pic>
+        <p:nvPicPr>
+          <p:cNvPr id="75" name="Picture 3" descr=""/>
           <p:cNvPicPr/>
           <p:nvPr/>
         </p:nvPicPr>
@@ -2299,8 +2002,8 @@
         </p:blipFill>
         <p:spPr>
           <a:xfrm>
-            <a:off x="0" y="567360"/>
-            <a:ext cx="6468480" cy="340920"/>
+            <a:off x="0" y="558000"/>
+            <a:ext cx="6468120" cy="340560"/>
           </a:xfrm>
           <a:prstGeom prst="rect">
             <a:avLst/>
@@ -2312,14 +2015,14 @@
       </p:pic>
       <p:sp>
         <p:nvSpPr>
-          <p:cNvPr id="88" name="CustomShape 1"/>
+          <p:cNvPr id="76" name="CustomShape 1"/>
           <p:cNvSpPr/>
           <p:nvPr/>
         </p:nvSpPr>
         <p:spPr>
           <a:xfrm>
             <a:off x="476640" y="35640"/>
-            <a:ext cx="10690200" cy="364680"/>
+            <a:ext cx="10689840" cy="364320"/>
           </a:xfrm>
           <a:prstGeom prst="rect">
             <a:avLst/>
@@ -2349,8 +2052,9 @@
                   <a:srgbClr val="000000"/>
                 </a:solidFill>
                 <a:latin typeface="Calibri"/>
+                <a:ea typeface="DejaVu Sans"/>
               </a:rPr>
-              <a:t>The institute added successfully on to the server.</a:t>
+              <a:t>Enter the location.</a:t>
             </a:r>
             <a:endParaRPr b="0" lang="en-IN" sz="1800" spc="-1" strike="noStrike">
               <a:latin typeface="Arial"/>
@@ -2360,7 +2064,7 @@
       </p:sp>
       <p:pic>
         <p:nvPicPr>
-          <p:cNvPr id="89" name="Picture 5" descr=""/>
+          <p:cNvPr id="77" name="Picture 5" descr=""/>
           <p:cNvPicPr/>
           <p:nvPr/>
         </p:nvPicPr>
@@ -2370,20 +2074,20 @@
         </p:blipFill>
         <p:spPr>
           <a:xfrm>
-            <a:off x="2023200" y="627840"/>
-            <a:ext cx="825480" cy="232200"/>
-          </a:xfrm>
-          <a:prstGeom prst="rect">
-            <a:avLst/>
-          </a:prstGeom>
-          <a:ln>
-            <a:noFill/>
-          </a:ln>
-        </p:spPr>
-      </p:pic>
-      <p:pic>
-        <p:nvPicPr>
-          <p:cNvPr id="90" name="" descr=""/>
+            <a:off x="2013480" y="612360"/>
+            <a:ext cx="825120" cy="231840"/>
+          </a:xfrm>
+          <a:prstGeom prst="rect">
+            <a:avLst/>
+          </a:prstGeom>
+          <a:ln>
+            <a:noFill/>
+          </a:ln>
+        </p:spPr>
+      </p:pic>
+      <p:pic>
+        <p:nvPicPr>
+          <p:cNvPr id="78" name="" descr=""/>
           <p:cNvPicPr/>
           <p:nvPr/>
         </p:nvPicPr>
@@ -2393,8 +2097,8 @@
         </p:blipFill>
         <p:spPr>
           <a:xfrm>
-            <a:off x="4173840" y="594000"/>
-            <a:ext cx="686160" cy="336240"/>
+            <a:off x="4173840" y="558000"/>
+            <a:ext cx="685800" cy="335880"/>
           </a:xfrm>
           <a:prstGeom prst="rect">
             <a:avLst/>
@@ -2409,10 +2113,10 @@
   <p:timing>
     <p:tnLst>
       <p:par>
-        <p:cTn id="21" dur="indefinite" restart="never" nodeType="tmRoot">
+        <p:cTn id="17" dur="indefinite" restart="never" nodeType="tmRoot">
           <p:childTnLst>
             <p:seq>
-              <p:cTn id="22" dur="indefinite" nodeType="mainSeq"/>
+              <p:cTn id="18" dur="indefinite" nodeType="mainSeq"/>
               <p:prevCondLst>
                 <p:cond delay="0" evt="onPrev">
                   <p:tgtEl>
@@ -2455,7 +2159,7 @@
       </p:grpSpPr>
       <p:pic>
         <p:nvPicPr>
-          <p:cNvPr id="91" name="Picture 1" descr=""/>
+          <p:cNvPr id="79" name="Picture 1" descr=""/>
           <p:cNvPicPr/>
           <p:nvPr/>
         </p:nvPicPr>
@@ -2465,20 +2169,20 @@
         </p:blipFill>
         <p:spPr>
           <a:xfrm>
-            <a:off x="0" y="690480"/>
-            <a:ext cx="12191760" cy="5710320"/>
-          </a:xfrm>
-          <a:prstGeom prst="rect">
-            <a:avLst/>
-          </a:prstGeom>
-          <a:ln>
-            <a:noFill/>
-          </a:ln>
-        </p:spPr>
-      </p:pic>
-      <p:pic>
-        <p:nvPicPr>
-          <p:cNvPr id="92" name="Picture 2" descr=""/>
+            <a:off x="0" y="573480"/>
+            <a:ext cx="12191400" cy="5709960"/>
+          </a:xfrm>
+          <a:prstGeom prst="rect">
+            <a:avLst/>
+          </a:prstGeom>
+          <a:ln>
+            <a:noFill/>
+          </a:ln>
+        </p:spPr>
+      </p:pic>
+      <p:pic>
+        <p:nvPicPr>
+          <p:cNvPr id="80" name="Picture 2" descr=""/>
           <p:cNvPicPr/>
           <p:nvPr/>
         </p:nvPicPr>
@@ -2488,8 +2192,31 @@
         </p:blipFill>
         <p:spPr>
           <a:xfrm>
-            <a:off x="0" y="690480"/>
-            <a:ext cx="6468480" cy="340920"/>
+            <a:off x="4795560" y="944280"/>
+            <a:ext cx="2118600" cy="487440"/>
+          </a:xfrm>
+          <a:prstGeom prst="rect">
+            <a:avLst/>
+          </a:prstGeom>
+          <a:ln>
+            <a:noFill/>
+          </a:ln>
+        </p:spPr>
+      </p:pic>
+      <p:pic>
+        <p:nvPicPr>
+          <p:cNvPr id="81" name="Picture 3" descr=""/>
+          <p:cNvPicPr/>
+          <p:nvPr/>
+        </p:nvPicPr>
+        <p:blipFill>
+          <a:blip r:embed="rId3"/>
+          <a:stretch/>
+        </p:blipFill>
+        <p:spPr>
+          <a:xfrm>
+            <a:off x="0" y="573480"/>
+            <a:ext cx="6468120" cy="340560"/>
           </a:xfrm>
           <a:prstGeom prst="rect">
             <a:avLst/>
@@ -2501,14 +2228,14 @@
       </p:pic>
       <p:sp>
         <p:nvSpPr>
-          <p:cNvPr id="93" name="CustomShape 1"/>
+          <p:cNvPr id="82" name="CustomShape 1"/>
           <p:cNvSpPr/>
           <p:nvPr/>
         </p:nvSpPr>
         <p:spPr>
           <a:xfrm>
-            <a:off x="486360" y="35640"/>
-            <a:ext cx="10690200" cy="639000"/>
+            <a:off x="476640" y="35640"/>
+            <a:ext cx="10689840" cy="364320"/>
           </a:xfrm>
           <a:prstGeom prst="rect">
             <a:avLst/>
@@ -2538,8 +2265,9 @@
                   <a:srgbClr val="000000"/>
                 </a:solidFill>
                 <a:latin typeface="Calibri"/>
+                <a:ea typeface="DejaVu Sans"/>
               </a:rPr>
-              <a:t>On Clicking the Add coach, admin can add new coach, which is also coach registration page. Fill the required fields in the form and submit.</a:t>
+              <a:t>Enter the institute name.</a:t>
             </a:r>
             <a:endParaRPr b="0" lang="en-IN" sz="1800" spc="-1" strike="noStrike">
               <a:latin typeface="Arial"/>
@@ -2549,30 +2277,7 @@
       </p:sp>
       <p:pic>
         <p:nvPicPr>
-          <p:cNvPr id="94" name="Picture 4" descr=""/>
-          <p:cNvPicPr/>
-          <p:nvPr/>
-        </p:nvPicPr>
-        <p:blipFill>
-          <a:blip r:embed="rId3"/>
-          <a:stretch/>
-        </p:blipFill>
-        <p:spPr>
-          <a:xfrm>
-            <a:off x="2062440" y="744840"/>
-            <a:ext cx="825480" cy="232200"/>
-          </a:xfrm>
-          <a:prstGeom prst="rect">
-            <a:avLst/>
-          </a:prstGeom>
-          <a:ln>
-            <a:noFill/>
-          </a:ln>
-        </p:spPr>
-      </p:pic>
-      <p:pic>
-        <p:nvPicPr>
-          <p:cNvPr id="95" name="" descr=""/>
+          <p:cNvPr id="83" name="Picture 5" descr=""/>
           <p:cNvPicPr/>
           <p:nvPr/>
         </p:nvPicPr>
@@ -2582,8 +2287,31 @@
         </p:blipFill>
         <p:spPr>
           <a:xfrm>
-            <a:off x="4173840" y="702000"/>
-            <a:ext cx="686160" cy="336240"/>
+            <a:off x="1974600" y="627840"/>
+            <a:ext cx="825120" cy="231840"/>
+          </a:xfrm>
+          <a:prstGeom prst="rect">
+            <a:avLst/>
+          </a:prstGeom>
+          <a:ln>
+            <a:noFill/>
+          </a:ln>
+        </p:spPr>
+      </p:pic>
+      <p:pic>
+        <p:nvPicPr>
+          <p:cNvPr id="84" name="" descr=""/>
+          <p:cNvPicPr/>
+          <p:nvPr/>
+        </p:nvPicPr>
+        <p:blipFill>
+          <a:blip r:embed="rId5"/>
+          <a:stretch/>
+        </p:blipFill>
+        <p:spPr>
+          <a:xfrm>
+            <a:off x="4137840" y="573480"/>
+            <a:ext cx="685800" cy="335880"/>
           </a:xfrm>
           <a:prstGeom prst="rect">
             <a:avLst/>
@@ -2598,10 +2326,10 @@
   <p:timing>
     <p:tnLst>
       <p:par>
-        <p:cTn id="23" dur="indefinite" restart="never" nodeType="tmRoot">
+        <p:cTn id="19" dur="indefinite" restart="never" nodeType="tmRoot">
           <p:childTnLst>
             <p:seq>
-              <p:cTn id="24" dur="indefinite" nodeType="mainSeq"/>
+              <p:cTn id="20" dur="indefinite" nodeType="mainSeq"/>
               <p:prevCondLst>
                 <p:cond delay="0" evt="onPrev">
                   <p:tgtEl>
@@ -2644,7 +2372,7 @@
       </p:grpSpPr>
       <p:pic>
         <p:nvPicPr>
-          <p:cNvPr id="96" name="Picture 1" descr=""/>
+          <p:cNvPr id="85" name="Picture 1" descr=""/>
           <p:cNvPicPr/>
           <p:nvPr/>
         </p:nvPicPr>
@@ -2654,20 +2382,20 @@
         </p:blipFill>
         <p:spPr>
           <a:xfrm>
-            <a:off x="0" y="655560"/>
-            <a:ext cx="12191760" cy="5721480"/>
-          </a:xfrm>
-          <a:prstGeom prst="rect">
-            <a:avLst/>
-          </a:prstGeom>
-          <a:ln>
-            <a:noFill/>
-          </a:ln>
-        </p:spPr>
-      </p:pic>
-      <p:pic>
-        <p:nvPicPr>
-          <p:cNvPr id="97" name="Picture 2" descr=""/>
+            <a:off x="0" y="567360"/>
+            <a:ext cx="12191400" cy="5722920"/>
+          </a:xfrm>
+          <a:prstGeom prst="rect">
+            <a:avLst/>
+          </a:prstGeom>
+          <a:ln>
+            <a:noFill/>
+          </a:ln>
+        </p:spPr>
+      </p:pic>
+      <p:pic>
+        <p:nvPicPr>
+          <p:cNvPr id="86" name="Picture 2" descr=""/>
           <p:cNvPicPr/>
           <p:nvPr/>
         </p:nvPicPr>
@@ -2677,20 +2405,20 @@
         </p:blipFill>
         <p:spPr>
           <a:xfrm>
-            <a:off x="0" y="655560"/>
-            <a:ext cx="6468480" cy="340920"/>
-          </a:xfrm>
-          <a:prstGeom prst="rect">
-            <a:avLst/>
-          </a:prstGeom>
-          <a:ln>
-            <a:noFill/>
-          </a:ln>
-        </p:spPr>
-      </p:pic>
-      <p:pic>
-        <p:nvPicPr>
-          <p:cNvPr id="98" name="Picture 3" descr=""/>
+            <a:off x="4825080" y="944280"/>
+            <a:ext cx="2118600" cy="487440"/>
+          </a:xfrm>
+          <a:prstGeom prst="rect">
+            <a:avLst/>
+          </a:prstGeom>
+          <a:ln>
+            <a:noFill/>
+          </a:ln>
+        </p:spPr>
+      </p:pic>
+      <p:pic>
+        <p:nvPicPr>
+          <p:cNvPr id="87" name="Picture 3" descr=""/>
           <p:cNvPicPr/>
           <p:nvPr/>
         </p:nvPicPr>
@@ -2700,8 +2428,8 @@
         </p:blipFill>
         <p:spPr>
           <a:xfrm>
-            <a:off x="2032920" y="709920"/>
-            <a:ext cx="825480" cy="232200"/>
+            <a:off x="0" y="567360"/>
+            <a:ext cx="6468120" cy="340560"/>
           </a:xfrm>
           <a:prstGeom prst="rect">
             <a:avLst/>
@@ -2713,14 +2441,14 @@
       </p:pic>
       <p:sp>
         <p:nvSpPr>
-          <p:cNvPr id="99" name="CustomShape 1"/>
+          <p:cNvPr id="88" name="CustomShape 1"/>
           <p:cNvSpPr/>
           <p:nvPr/>
         </p:nvSpPr>
         <p:spPr>
           <a:xfrm>
-            <a:off x="184680" y="-24120"/>
-            <a:ext cx="10690200" cy="364680"/>
+            <a:off x="476640" y="35640"/>
+            <a:ext cx="10689840" cy="364320"/>
           </a:xfrm>
           <a:prstGeom prst="rect">
             <a:avLst/>
@@ -2750,8 +2478,9 @@
                   <a:srgbClr val="000000"/>
                 </a:solidFill>
                 <a:latin typeface="Calibri"/>
+                <a:ea typeface="DejaVu Sans"/>
               </a:rPr>
-              <a:t>Coach registered successfully</a:t>
+              <a:t>The institute added successfully on to the server.</a:t>
             </a:r>
             <a:endParaRPr b="0" lang="en-IN" sz="1800" spc="-1" strike="noStrike">
               <a:latin typeface="Arial"/>
@@ -2761,7 +2490,7 @@
       </p:sp>
       <p:pic>
         <p:nvPicPr>
-          <p:cNvPr id="100" name="" descr=""/>
+          <p:cNvPr id="89" name="Picture 5" descr=""/>
           <p:cNvPicPr/>
           <p:nvPr/>
         </p:nvPicPr>
@@ -2771,8 +2500,31 @@
         </p:blipFill>
         <p:spPr>
           <a:xfrm>
-            <a:off x="4173840" y="666000"/>
-            <a:ext cx="686160" cy="336240"/>
+            <a:off x="2023200" y="627840"/>
+            <a:ext cx="825120" cy="231840"/>
+          </a:xfrm>
+          <a:prstGeom prst="rect">
+            <a:avLst/>
+          </a:prstGeom>
+          <a:ln>
+            <a:noFill/>
+          </a:ln>
+        </p:spPr>
+      </p:pic>
+      <p:pic>
+        <p:nvPicPr>
+          <p:cNvPr id="90" name="" descr=""/>
+          <p:cNvPicPr/>
+          <p:nvPr/>
+        </p:nvPicPr>
+        <p:blipFill>
+          <a:blip r:embed="rId5"/>
+          <a:stretch/>
+        </p:blipFill>
+        <p:spPr>
+          <a:xfrm>
+            <a:off x="4173840" y="594000"/>
+            <a:ext cx="685800" cy="335880"/>
           </a:xfrm>
           <a:prstGeom prst="rect">
             <a:avLst/>
@@ -2787,10 +2539,10 @@
   <p:timing>
     <p:tnLst>
       <p:par>
-        <p:cTn id="25" dur="indefinite" restart="never" nodeType="tmRoot">
+        <p:cTn id="21" dur="indefinite" restart="never" nodeType="tmRoot">
           <p:childTnLst>
             <p:seq>
-              <p:cTn id="26" dur="indefinite" nodeType="mainSeq"/>
+              <p:cTn id="22" dur="indefinite" nodeType="mainSeq"/>
               <p:prevCondLst>
                 <p:cond delay="0" evt="onPrev">
                   <p:tgtEl>
@@ -2833,7 +2585,7 @@
       </p:grpSpPr>
       <p:pic>
         <p:nvPicPr>
-          <p:cNvPr id="101" name="Picture 1" descr=""/>
+          <p:cNvPr id="91" name="Picture 1" descr=""/>
           <p:cNvPicPr/>
           <p:nvPr/>
         </p:nvPicPr>
@@ -2844,19 +2596,19 @@
         <p:spPr>
           <a:xfrm>
             <a:off x="0" y="690480"/>
-            <a:ext cx="12191760" cy="5710320"/>
-          </a:xfrm>
-          <a:prstGeom prst="rect">
-            <a:avLst/>
-          </a:prstGeom>
-          <a:ln>
-            <a:noFill/>
-          </a:ln>
-        </p:spPr>
-      </p:pic>
-      <p:pic>
-        <p:nvPicPr>
-          <p:cNvPr id="102" name="Picture 2" descr=""/>
+            <a:ext cx="12191400" cy="5709960"/>
+          </a:xfrm>
+          <a:prstGeom prst="rect">
+            <a:avLst/>
+          </a:prstGeom>
+          <a:ln>
+            <a:noFill/>
+          </a:ln>
+        </p:spPr>
+      </p:pic>
+      <p:pic>
+        <p:nvPicPr>
+          <p:cNvPr id="92" name="Picture 2" descr=""/>
           <p:cNvPicPr/>
           <p:nvPr/>
         </p:nvPicPr>
@@ -2867,30 +2619,7 @@
         <p:spPr>
           <a:xfrm>
             <a:off x="0" y="690480"/>
-            <a:ext cx="6468480" cy="340920"/>
-          </a:xfrm>
-          <a:prstGeom prst="rect">
-            <a:avLst/>
-          </a:prstGeom>
-          <a:ln>
-            <a:noFill/>
-          </a:ln>
-        </p:spPr>
-      </p:pic>
-      <p:pic>
-        <p:nvPicPr>
-          <p:cNvPr id="103" name="Picture 3" descr=""/>
-          <p:cNvPicPr/>
-          <p:nvPr/>
-        </p:nvPicPr>
-        <p:blipFill>
-          <a:blip r:embed="rId3"/>
-          <a:stretch/>
-        </p:blipFill>
-        <p:spPr>
-          <a:xfrm>
-            <a:off x="1964880" y="744840"/>
-            <a:ext cx="825480" cy="232200"/>
+            <a:ext cx="6468120" cy="340560"/>
           </a:xfrm>
           <a:prstGeom prst="rect">
             <a:avLst/>
@@ -2902,14 +2631,14 @@
       </p:pic>
       <p:sp>
         <p:nvSpPr>
-          <p:cNvPr id="104" name="CustomShape 1"/>
+          <p:cNvPr id="93" name="CustomShape 1"/>
           <p:cNvSpPr/>
           <p:nvPr/>
         </p:nvSpPr>
         <p:spPr>
           <a:xfrm>
             <a:off x="486360" y="35640"/>
-            <a:ext cx="10690200" cy="639000"/>
+            <a:ext cx="10689840" cy="638640"/>
           </a:xfrm>
           <a:prstGeom prst="rect">
             <a:avLst/>
@@ -2939,8 +2668,9 @@
                   <a:srgbClr val="000000"/>
                 </a:solidFill>
                 <a:latin typeface="Calibri"/>
+                <a:ea typeface="DejaVu Sans"/>
               </a:rPr>
-              <a:t>Entering the same details will lead to unsuccessful registration. The ID and Email should be unique from previously added coach information to avoid unsuccessful registration.</a:t>
+              <a:t>On Clicking the Add coach, admin can add new coach, which is also coach registration page. Fill the required fields in the form and submit.</a:t>
             </a:r>
             <a:endParaRPr b="0" lang="en-IN" sz="1800" spc="-1" strike="noStrike">
               <a:latin typeface="Arial"/>
@@ -2950,7 +2680,30 @@
       </p:sp>
       <p:pic>
         <p:nvPicPr>
-          <p:cNvPr id="105" name="" descr=""/>
+          <p:cNvPr id="94" name="Picture 4" descr=""/>
+          <p:cNvPicPr/>
+          <p:nvPr/>
+        </p:nvPicPr>
+        <p:blipFill>
+          <a:blip r:embed="rId3"/>
+          <a:stretch/>
+        </p:blipFill>
+        <p:spPr>
+          <a:xfrm>
+            <a:off x="2062440" y="744840"/>
+            <a:ext cx="825120" cy="231840"/>
+          </a:xfrm>
+          <a:prstGeom prst="rect">
+            <a:avLst/>
+          </a:prstGeom>
+          <a:ln>
+            <a:noFill/>
+          </a:ln>
+        </p:spPr>
+      </p:pic>
+      <p:pic>
+        <p:nvPicPr>
+          <p:cNvPr id="95" name="" descr=""/>
           <p:cNvPicPr/>
           <p:nvPr/>
         </p:nvPicPr>
@@ -2961,7 +2714,7 @@
         <p:spPr>
           <a:xfrm>
             <a:off x="4173840" y="702000"/>
-            <a:ext cx="686160" cy="336240"/>
+            <a:ext cx="685800" cy="335880"/>
           </a:xfrm>
           <a:prstGeom prst="rect">
             <a:avLst/>
@@ -2976,10 +2729,10 @@
   <p:timing>
     <p:tnLst>
       <p:par>
-        <p:cTn id="27" dur="indefinite" restart="never" nodeType="tmRoot">
+        <p:cTn id="23" dur="indefinite" restart="never" nodeType="tmRoot">
           <p:childTnLst>
             <p:seq>
-              <p:cTn id="28" dur="indefinite" nodeType="mainSeq"/>
+              <p:cTn id="24" dur="indefinite" nodeType="mainSeq"/>
               <p:prevCondLst>
                 <p:cond delay="0" evt="onPrev">
                   <p:tgtEl>
@@ -3022,7 +2775,7 @@
       </p:grpSpPr>
       <p:pic>
         <p:nvPicPr>
-          <p:cNvPr id="106" name="Picture 1" descr=""/>
+          <p:cNvPr id="96" name="Picture 1" descr=""/>
           <p:cNvPicPr/>
           <p:nvPr/>
         </p:nvPicPr>
@@ -3032,20 +2785,20 @@
         </p:blipFill>
         <p:spPr>
           <a:xfrm>
-            <a:off x="0" y="583920"/>
-            <a:ext cx="12191760" cy="5690160"/>
-          </a:xfrm>
-          <a:prstGeom prst="rect">
-            <a:avLst/>
-          </a:prstGeom>
-          <a:ln>
-            <a:noFill/>
-          </a:ln>
-        </p:spPr>
-      </p:pic>
-      <p:pic>
-        <p:nvPicPr>
-          <p:cNvPr id="107" name="Picture 2" descr=""/>
+            <a:off x="0" y="655560"/>
+            <a:ext cx="12191400" cy="5721120"/>
+          </a:xfrm>
+          <a:prstGeom prst="rect">
+            <a:avLst/>
+          </a:prstGeom>
+          <a:ln>
+            <a:noFill/>
+          </a:ln>
+        </p:spPr>
+      </p:pic>
+      <p:pic>
+        <p:nvPicPr>
+          <p:cNvPr id="97" name="Picture 2" descr=""/>
           <p:cNvPicPr/>
           <p:nvPr/>
         </p:nvPicPr>
@@ -3055,20 +2808,20 @@
         </p:blipFill>
         <p:spPr>
           <a:xfrm>
-            <a:off x="0" y="574200"/>
-            <a:ext cx="6468480" cy="340920"/>
-          </a:xfrm>
-          <a:prstGeom prst="rect">
-            <a:avLst/>
-          </a:prstGeom>
-          <a:ln>
-            <a:noFill/>
-          </a:ln>
-        </p:spPr>
-      </p:pic>
-      <p:pic>
-        <p:nvPicPr>
-          <p:cNvPr id="108" name="Picture 3" descr=""/>
+            <a:off x="0" y="655560"/>
+            <a:ext cx="6468120" cy="340560"/>
+          </a:xfrm>
+          <a:prstGeom prst="rect">
+            <a:avLst/>
+          </a:prstGeom>
+          <a:ln>
+            <a:noFill/>
+          </a:ln>
+        </p:spPr>
+      </p:pic>
+      <p:pic>
+        <p:nvPicPr>
+          <p:cNvPr id="98" name="Picture 3" descr=""/>
           <p:cNvPicPr/>
           <p:nvPr/>
         </p:nvPicPr>
@@ -3078,8 +2831,8 @@
         </p:blipFill>
         <p:spPr>
           <a:xfrm>
-            <a:off x="2003760" y="628560"/>
-            <a:ext cx="825480" cy="232200"/>
+            <a:off x="2032920" y="709920"/>
+            <a:ext cx="825120" cy="231840"/>
           </a:xfrm>
           <a:prstGeom prst="rect">
             <a:avLst/>
@@ -3091,14 +2844,14 @@
       </p:pic>
       <p:sp>
         <p:nvSpPr>
-          <p:cNvPr id="109" name="CustomShape 1"/>
+          <p:cNvPr id="99" name="CustomShape 1"/>
           <p:cNvSpPr/>
           <p:nvPr/>
         </p:nvSpPr>
         <p:spPr>
           <a:xfrm>
-            <a:off x="457200" y="52200"/>
-            <a:ext cx="10690200" cy="364680"/>
+            <a:off x="184680" y="-24120"/>
+            <a:ext cx="10689840" cy="364320"/>
           </a:xfrm>
           <a:prstGeom prst="rect">
             <a:avLst/>
@@ -3128,8 +2881,9 @@
                   <a:srgbClr val="000000"/>
                 </a:solidFill>
                 <a:latin typeface="Calibri"/>
+                <a:ea typeface="DejaVu Sans"/>
               </a:rPr>
-              <a:t>unsuccessful registration when entered the same details.</a:t>
+              <a:t>Coach registered successfully</a:t>
             </a:r>
             <a:endParaRPr b="0" lang="en-IN" sz="1800" spc="-1" strike="noStrike">
               <a:latin typeface="Arial"/>
@@ -3139,7 +2893,7 @@
       </p:sp>
       <p:pic>
         <p:nvPicPr>
-          <p:cNvPr id="110" name="" descr=""/>
+          <p:cNvPr id="100" name="" descr=""/>
           <p:cNvPicPr/>
           <p:nvPr/>
         </p:nvPicPr>
@@ -3149,8 +2903,8 @@
         </p:blipFill>
         <p:spPr>
           <a:xfrm>
-            <a:off x="4137840" y="594000"/>
-            <a:ext cx="686160" cy="336240"/>
+            <a:off x="4173840" y="666000"/>
+            <a:ext cx="685800" cy="335880"/>
           </a:xfrm>
           <a:prstGeom prst="rect">
             <a:avLst/>
@@ -3165,10 +2919,10 @@
   <p:timing>
     <p:tnLst>
       <p:par>
-        <p:cTn id="29" dur="indefinite" restart="never" nodeType="tmRoot">
+        <p:cTn id="25" dur="indefinite" restart="never" nodeType="tmRoot">
           <p:childTnLst>
             <p:seq>
-              <p:cTn id="30" dur="indefinite" nodeType="mainSeq"/>
+              <p:cTn id="26" dur="indefinite" nodeType="mainSeq"/>
               <p:prevCondLst>
                 <p:cond delay="0" evt="onPrev">
                   <p:tgtEl>
@@ -3211,7 +2965,7 @@
       </p:grpSpPr>
       <p:pic>
         <p:nvPicPr>
-          <p:cNvPr id="111" name="Picture 1" descr=""/>
+          <p:cNvPr id="101" name="Picture 1" descr=""/>
           <p:cNvPicPr/>
           <p:nvPr/>
         </p:nvPicPr>
@@ -3221,20 +2975,20 @@
         </p:blipFill>
         <p:spPr>
           <a:xfrm>
-            <a:off x="0" y="757440"/>
-            <a:ext cx="12191760" cy="5732280"/>
-          </a:xfrm>
-          <a:prstGeom prst="rect">
-            <a:avLst/>
-          </a:prstGeom>
-          <a:ln>
-            <a:noFill/>
-          </a:ln>
-        </p:spPr>
-      </p:pic>
-      <p:pic>
-        <p:nvPicPr>
-          <p:cNvPr id="112" name="Picture 2" descr=""/>
+            <a:off x="0" y="690480"/>
+            <a:ext cx="12191400" cy="5709960"/>
+          </a:xfrm>
+          <a:prstGeom prst="rect">
+            <a:avLst/>
+          </a:prstGeom>
+          <a:ln>
+            <a:noFill/>
+          </a:ln>
+        </p:spPr>
+      </p:pic>
+      <p:pic>
+        <p:nvPicPr>
+          <p:cNvPr id="102" name="Picture 2" descr=""/>
           <p:cNvPicPr/>
           <p:nvPr/>
         </p:nvPicPr>
@@ -3244,20 +2998,20 @@
         </p:blipFill>
         <p:spPr>
           <a:xfrm>
-            <a:off x="0" y="757440"/>
-            <a:ext cx="6468480" cy="340920"/>
-          </a:xfrm>
-          <a:prstGeom prst="rect">
-            <a:avLst/>
-          </a:prstGeom>
-          <a:ln>
-            <a:noFill/>
-          </a:ln>
-        </p:spPr>
-      </p:pic>
-      <p:pic>
-        <p:nvPicPr>
-          <p:cNvPr id="113" name="Picture 3" descr=""/>
+            <a:off x="0" y="690480"/>
+            <a:ext cx="6468120" cy="340560"/>
+          </a:xfrm>
+          <a:prstGeom prst="rect">
+            <a:avLst/>
+          </a:prstGeom>
+          <a:ln>
+            <a:noFill/>
+          </a:ln>
+        </p:spPr>
+      </p:pic>
+      <p:pic>
+        <p:nvPicPr>
+          <p:cNvPr id="103" name="Picture 3" descr=""/>
           <p:cNvPicPr/>
           <p:nvPr/>
         </p:nvPicPr>
@@ -3267,8 +3021,8 @@
         </p:blipFill>
         <p:spPr>
           <a:xfrm>
-            <a:off x="1984320" y="811800"/>
-            <a:ext cx="825480" cy="232200"/>
+            <a:off x="1964880" y="744840"/>
+            <a:ext cx="825120" cy="231840"/>
           </a:xfrm>
           <a:prstGeom prst="rect">
             <a:avLst/>
@@ -3280,14 +3034,14 @@
       </p:pic>
       <p:sp>
         <p:nvSpPr>
-          <p:cNvPr id="114" name="CustomShape 1"/>
+          <p:cNvPr id="104" name="CustomShape 1"/>
           <p:cNvSpPr/>
           <p:nvPr/>
         </p:nvSpPr>
         <p:spPr>
           <a:xfrm>
             <a:off x="486360" y="35640"/>
-            <a:ext cx="10690200" cy="639000"/>
+            <a:ext cx="10689840" cy="638640"/>
           </a:xfrm>
           <a:prstGeom prst="rect">
             <a:avLst/>
@@ -3317,8 +3071,9 @@
                   <a:srgbClr val="000000"/>
                 </a:solidFill>
                 <a:latin typeface="Calibri"/>
+                <a:ea typeface="DejaVu Sans"/>
               </a:rPr>
-              <a:t>Add Player is the module which maps the player who are registered from android phone to the coach.Enter the required field.</a:t>
+              <a:t>Entering the same details will lead to unsuccessful registration. The ID and Email should be unique from previously added coach information to avoid unsuccessful registration.</a:t>
             </a:r>
             <a:endParaRPr b="0" lang="en-IN" sz="1800" spc="-1" strike="noStrike">
               <a:latin typeface="Arial"/>
@@ -3328,7 +3083,7 @@
       </p:sp>
       <p:pic>
         <p:nvPicPr>
-          <p:cNvPr id="115" name="" descr=""/>
+          <p:cNvPr id="105" name="" descr=""/>
           <p:cNvPicPr/>
           <p:nvPr/>
         </p:nvPicPr>
@@ -3338,8 +3093,8 @@
         </p:blipFill>
         <p:spPr>
           <a:xfrm>
-            <a:off x="4209840" y="774000"/>
-            <a:ext cx="686160" cy="336240"/>
+            <a:off x="4173840" y="702000"/>
+            <a:ext cx="685800" cy="335880"/>
           </a:xfrm>
           <a:prstGeom prst="rect">
             <a:avLst/>
@@ -3354,10 +3109,10 @@
   <p:timing>
     <p:tnLst>
       <p:par>
-        <p:cTn id="31" dur="indefinite" restart="never" nodeType="tmRoot">
+        <p:cTn id="27" dur="indefinite" restart="never" nodeType="tmRoot">
           <p:childTnLst>
             <p:seq>
-              <p:cTn id="32" dur="indefinite" nodeType="mainSeq"/>
+              <p:cTn id="28" dur="indefinite" nodeType="mainSeq"/>
               <p:prevCondLst>
                 <p:cond delay="0" evt="onPrev">
                   <p:tgtEl>
@@ -3400,7 +3155,7 @@
       </p:grpSpPr>
       <p:pic>
         <p:nvPicPr>
-          <p:cNvPr id="116" name="Picture 1" descr=""/>
+          <p:cNvPr id="106" name="Picture 1" descr=""/>
           <p:cNvPicPr/>
           <p:nvPr/>
         </p:nvPicPr>
@@ -3410,20 +3165,20 @@
         </p:blipFill>
         <p:spPr>
           <a:xfrm>
-            <a:off x="0" y="705960"/>
-            <a:ext cx="12191760" cy="5776200"/>
-          </a:xfrm>
-          <a:prstGeom prst="rect">
-            <a:avLst/>
-          </a:prstGeom>
-          <a:ln>
-            <a:noFill/>
-          </a:ln>
-        </p:spPr>
-      </p:pic>
-      <p:pic>
-        <p:nvPicPr>
-          <p:cNvPr id="117" name="Picture 3" descr=""/>
+            <a:off x="0" y="583920"/>
+            <a:ext cx="12191400" cy="5689800"/>
+          </a:xfrm>
+          <a:prstGeom prst="rect">
+            <a:avLst/>
+          </a:prstGeom>
+          <a:ln>
+            <a:noFill/>
+          </a:ln>
+        </p:spPr>
+      </p:pic>
+      <p:pic>
+        <p:nvPicPr>
+          <p:cNvPr id="107" name="Picture 2" descr=""/>
           <p:cNvPicPr/>
           <p:nvPr/>
         </p:nvPicPr>
@@ -3433,20 +3188,20 @@
         </p:blipFill>
         <p:spPr>
           <a:xfrm>
-            <a:off x="0" y="705960"/>
-            <a:ext cx="6468480" cy="340920"/>
-          </a:xfrm>
-          <a:prstGeom prst="rect">
-            <a:avLst/>
-          </a:prstGeom>
-          <a:ln>
-            <a:noFill/>
-          </a:ln>
-        </p:spPr>
-      </p:pic>
-      <p:pic>
-        <p:nvPicPr>
-          <p:cNvPr id="118" name="Picture 4" descr=""/>
+            <a:off x="0" y="574200"/>
+            <a:ext cx="6468120" cy="340560"/>
+          </a:xfrm>
+          <a:prstGeom prst="rect">
+            <a:avLst/>
+          </a:prstGeom>
+          <a:ln>
+            <a:noFill/>
+          </a:ln>
+        </p:spPr>
+      </p:pic>
+      <p:pic>
+        <p:nvPicPr>
+          <p:cNvPr id="108" name="Picture 3" descr=""/>
           <p:cNvPicPr/>
           <p:nvPr/>
         </p:nvPicPr>
@@ -3456,8 +3211,8 @@
         </p:blipFill>
         <p:spPr>
           <a:xfrm>
-            <a:off x="2032920" y="760320"/>
-            <a:ext cx="825480" cy="232200"/>
+            <a:off x="2003760" y="628560"/>
+            <a:ext cx="825120" cy="231840"/>
           </a:xfrm>
           <a:prstGeom prst="rect">
             <a:avLst/>
@@ -3469,14 +3224,14 @@
       </p:pic>
       <p:sp>
         <p:nvSpPr>
-          <p:cNvPr id="119" name="CustomShape 1"/>
+          <p:cNvPr id="109" name="CustomShape 1"/>
           <p:cNvSpPr/>
           <p:nvPr/>
         </p:nvSpPr>
         <p:spPr>
           <a:xfrm>
-            <a:off x="372960" y="5400"/>
-            <a:ext cx="11153880" cy="639000"/>
+            <a:off x="457200" y="52200"/>
+            <a:ext cx="10689840" cy="364320"/>
           </a:xfrm>
           <a:prstGeom prst="rect">
             <a:avLst/>
@@ -3506,8 +3261,9 @@
                   <a:srgbClr val="000000"/>
                 </a:solidFill>
                 <a:latin typeface="Calibri"/>
+                <a:ea typeface="DejaVu Sans"/>
               </a:rPr>
-              <a:t>Select coach name, coach Id, player name, player Id and level which is displayed based on the location which is selected from the dropdown.</a:t>
+              <a:t>unsuccessful registration when entered the same details.</a:t>
             </a:r>
             <a:endParaRPr b="0" lang="en-IN" sz="1800" spc="-1" strike="noStrike">
               <a:latin typeface="Arial"/>
@@ -3517,7 +3273,7 @@
       </p:sp>
       <p:pic>
         <p:nvPicPr>
-          <p:cNvPr id="120" name="" descr=""/>
+          <p:cNvPr id="110" name="" descr=""/>
           <p:cNvPicPr/>
           <p:nvPr/>
         </p:nvPicPr>
@@ -3527,8 +3283,8 @@
         </p:blipFill>
         <p:spPr>
           <a:xfrm>
-            <a:off x="4173840" y="702000"/>
-            <a:ext cx="686160" cy="336240"/>
+            <a:off x="4137840" y="594000"/>
+            <a:ext cx="685800" cy="335880"/>
           </a:xfrm>
           <a:prstGeom prst="rect">
             <a:avLst/>
@@ -3543,10 +3299,10 @@
   <p:timing>
     <p:tnLst>
       <p:par>
-        <p:cTn id="33" dur="indefinite" restart="never" nodeType="tmRoot">
+        <p:cTn id="29" dur="indefinite" restart="never" nodeType="tmRoot">
           <p:childTnLst>
             <p:seq>
-              <p:cTn id="34" dur="indefinite" nodeType="mainSeq"/>
+              <p:cTn id="30" dur="indefinite" nodeType="mainSeq"/>
               <p:prevCondLst>
                 <p:cond delay="0" evt="onPrev">
                   <p:tgtEl>
@@ -3589,7 +3345,7 @@
       </p:grpSpPr>
       <p:pic>
         <p:nvPicPr>
-          <p:cNvPr id="121" name="Picture 3" descr=""/>
+          <p:cNvPr id="111" name="Picture 1" descr=""/>
           <p:cNvPicPr/>
           <p:nvPr/>
         </p:nvPicPr>
@@ -3599,20 +3355,20 @@
         </p:blipFill>
         <p:spPr>
           <a:xfrm>
-            <a:off x="0" y="729000"/>
-            <a:ext cx="12191760" cy="5789160"/>
-          </a:xfrm>
-          <a:prstGeom prst="rect">
-            <a:avLst/>
-          </a:prstGeom>
-          <a:ln>
-            <a:noFill/>
-          </a:ln>
-        </p:spPr>
-      </p:pic>
-      <p:pic>
-        <p:nvPicPr>
-          <p:cNvPr id="122" name="Picture 4" descr=""/>
+            <a:off x="0" y="757440"/>
+            <a:ext cx="12191400" cy="5731920"/>
+          </a:xfrm>
+          <a:prstGeom prst="rect">
+            <a:avLst/>
+          </a:prstGeom>
+          <a:ln>
+            <a:noFill/>
+          </a:ln>
+        </p:spPr>
+      </p:pic>
+      <p:pic>
+        <p:nvPicPr>
+          <p:cNvPr id="112" name="Picture 2" descr=""/>
           <p:cNvPicPr/>
           <p:nvPr/>
         </p:nvPicPr>
@@ -3622,20 +3378,20 @@
         </p:blipFill>
         <p:spPr>
           <a:xfrm>
-            <a:off x="0" y="729000"/>
-            <a:ext cx="6468480" cy="340920"/>
-          </a:xfrm>
-          <a:prstGeom prst="rect">
-            <a:avLst/>
-          </a:prstGeom>
-          <a:ln>
-            <a:noFill/>
-          </a:ln>
-        </p:spPr>
-      </p:pic>
-      <p:pic>
-        <p:nvPicPr>
-          <p:cNvPr id="123" name="Picture 5" descr=""/>
+            <a:off x="0" y="757440"/>
+            <a:ext cx="6468120" cy="340560"/>
+          </a:xfrm>
+          <a:prstGeom prst="rect">
+            <a:avLst/>
+          </a:prstGeom>
+          <a:ln>
+            <a:noFill/>
+          </a:ln>
+        </p:spPr>
+      </p:pic>
+      <p:pic>
+        <p:nvPicPr>
+          <p:cNvPr id="113" name="Picture 3" descr=""/>
           <p:cNvPicPr/>
           <p:nvPr/>
         </p:nvPicPr>
@@ -3645,8 +3401,8 @@
         </p:blipFill>
         <p:spPr>
           <a:xfrm>
-            <a:off x="2052360" y="783360"/>
-            <a:ext cx="825480" cy="232200"/>
+            <a:off x="1984320" y="811800"/>
+            <a:ext cx="825120" cy="231840"/>
           </a:xfrm>
           <a:prstGeom prst="rect">
             <a:avLst/>
@@ -3658,14 +3414,14 @@
       </p:pic>
       <p:sp>
         <p:nvSpPr>
-          <p:cNvPr id="124" name="CustomShape 1"/>
+          <p:cNvPr id="114" name="CustomShape 1"/>
           <p:cNvSpPr/>
           <p:nvPr/>
         </p:nvSpPr>
         <p:spPr>
           <a:xfrm>
-            <a:off x="554040" y="201960"/>
-            <a:ext cx="9893160" cy="364680"/>
+            <a:off x="486360" y="35640"/>
+            <a:ext cx="10689840" cy="638640"/>
           </a:xfrm>
           <a:prstGeom prst="rect">
             <a:avLst/>
@@ -3695,8 +3451,9 @@
                   <a:srgbClr val="000000"/>
                 </a:solidFill>
                 <a:latin typeface="Calibri"/>
+                <a:ea typeface="DejaVu Sans"/>
               </a:rPr>
-              <a:t>Successful mapping of player and coach. </a:t>
+              <a:t>Add Player is the module which maps the player who are registered from android phone to the coach.Enter the required field.</a:t>
             </a:r>
             <a:endParaRPr b="0" lang="en-IN" sz="1800" spc="-1" strike="noStrike">
               <a:latin typeface="Arial"/>
@@ -3706,7 +3463,7 @@
       </p:sp>
       <p:pic>
         <p:nvPicPr>
-          <p:cNvPr id="125" name="" descr=""/>
+          <p:cNvPr id="115" name="" descr=""/>
           <p:cNvPicPr/>
           <p:nvPr/>
         </p:nvPicPr>
@@ -3716,8 +3473,8 @@
         </p:blipFill>
         <p:spPr>
           <a:xfrm>
-            <a:off x="4137840" y="738000"/>
-            <a:ext cx="686160" cy="336240"/>
+            <a:off x="4209840" y="774000"/>
+            <a:ext cx="685800" cy="335880"/>
           </a:xfrm>
           <a:prstGeom prst="rect">
             <a:avLst/>
@@ -3732,10 +3489,10 @@
   <p:timing>
     <p:tnLst>
       <p:par>
-        <p:cTn id="35" dur="indefinite" restart="never" nodeType="tmRoot">
+        <p:cTn id="31" dur="indefinite" restart="never" nodeType="tmRoot">
           <p:childTnLst>
             <p:seq>
-              <p:cTn id="36" dur="indefinite" nodeType="mainSeq"/>
+              <p:cTn id="32" dur="indefinite" nodeType="mainSeq"/>
               <p:prevCondLst>
                 <p:cond delay="0" evt="onPrev">
                   <p:tgtEl>
@@ -3778,7 +3535,7 @@
       </p:grpSpPr>
       <p:pic>
         <p:nvPicPr>
-          <p:cNvPr id="126" name="Picture 2" descr=""/>
+          <p:cNvPr id="116" name="Picture 1" descr=""/>
           <p:cNvPicPr/>
           <p:nvPr/>
         </p:nvPicPr>
@@ -3788,20 +3545,20 @@
         </p:blipFill>
         <p:spPr>
           <a:xfrm>
-            <a:off x="0" y="888840"/>
-            <a:ext cx="12191760" cy="5727600"/>
-          </a:xfrm>
-          <a:prstGeom prst="rect">
-            <a:avLst/>
-          </a:prstGeom>
-          <a:ln>
-            <a:noFill/>
-          </a:ln>
-        </p:spPr>
-      </p:pic>
-      <p:pic>
-        <p:nvPicPr>
-          <p:cNvPr id="127" name="Picture 3" descr=""/>
+            <a:off x="0" y="705960"/>
+            <a:ext cx="12191400" cy="5775840"/>
+          </a:xfrm>
+          <a:prstGeom prst="rect">
+            <a:avLst/>
+          </a:prstGeom>
+          <a:ln>
+            <a:noFill/>
+          </a:ln>
+        </p:spPr>
+      </p:pic>
+      <p:pic>
+        <p:nvPicPr>
+          <p:cNvPr id="117" name="Picture 3" descr=""/>
           <p:cNvPicPr/>
           <p:nvPr/>
         </p:nvPicPr>
@@ -3811,8 +3568,31 @@
         </p:blipFill>
         <p:spPr>
           <a:xfrm>
-            <a:off x="1673280" y="957240"/>
-            <a:ext cx="825480" cy="232200"/>
+            <a:off x="0" y="705960"/>
+            <a:ext cx="6468120" cy="340560"/>
+          </a:xfrm>
+          <a:prstGeom prst="rect">
+            <a:avLst/>
+          </a:prstGeom>
+          <a:ln>
+            <a:noFill/>
+          </a:ln>
+        </p:spPr>
+      </p:pic>
+      <p:pic>
+        <p:nvPicPr>
+          <p:cNvPr id="118" name="Picture 4" descr=""/>
+          <p:cNvPicPr/>
+          <p:nvPr/>
+        </p:nvPicPr>
+        <p:blipFill>
+          <a:blip r:embed="rId3"/>
+          <a:stretch/>
+        </p:blipFill>
+        <p:spPr>
+          <a:xfrm>
+            <a:off x="2032920" y="760320"/>
+            <a:ext cx="825120" cy="231840"/>
           </a:xfrm>
           <a:prstGeom prst="rect">
             <a:avLst/>
@@ -3824,14 +3604,14 @@
       </p:pic>
       <p:sp>
         <p:nvSpPr>
-          <p:cNvPr id="128" name="CustomShape 1"/>
+          <p:cNvPr id="119" name="CustomShape 1"/>
           <p:cNvSpPr/>
           <p:nvPr/>
         </p:nvSpPr>
         <p:spPr>
           <a:xfrm>
-            <a:off x="340200" y="161640"/>
-            <a:ext cx="9893160" cy="912600"/>
+            <a:off x="372960" y="5400"/>
+            <a:ext cx="11153520" cy="638640"/>
           </a:xfrm>
           <a:prstGeom prst="rect">
             <a:avLst/>
@@ -3861,48 +3641,30 @@
                   <a:srgbClr val="000000"/>
                 </a:solidFill>
                 <a:latin typeface="Calibri"/>
+                <a:ea typeface="DejaVu Sans"/>
               </a:rPr>
-              <a:t>Admin selects different videos from local system and selects different level for the video.</a:t>
+              <a:t>Select coach name, coach Id, player name, player Id and level which is displayed based on the location which is selected from the dropdown.</a:t>
             </a:r>
             <a:endParaRPr b="0" lang="en-IN" sz="1800" spc="-1" strike="noStrike">
               <a:latin typeface="Arial"/>
             </a:endParaRPr>
           </a:p>
-          <a:p>
-            <a:pPr>
-              <a:lnSpc>
-                <a:spcPct val="100000"/>
-              </a:lnSpc>
-            </a:pPr>
-            <a:r>
-              <a:rPr b="0" lang="en-IN" sz="1800" spc="-1" strike="noStrike">
-                <a:solidFill>
-                  <a:srgbClr val="000000"/>
-                </a:solidFill>
-                <a:latin typeface="Calibri"/>
-              </a:rPr>
-              <a:t> </a:t>
-            </a:r>
-            <a:endParaRPr b="0" lang="en-IN" sz="1800" spc="-1" strike="noStrike">
-              <a:latin typeface="Arial"/>
-            </a:endParaRPr>
-          </a:p>
         </p:txBody>
       </p:sp>
       <p:pic>
         <p:nvPicPr>
-          <p:cNvPr id="129" name="" descr=""/>
-          <p:cNvPicPr/>
-          <p:nvPr/>
-        </p:nvPicPr>
-        <p:blipFill>
-          <a:blip r:embed="rId3"/>
-          <a:stretch/>
-        </p:blipFill>
-        <p:spPr>
-          <a:xfrm>
-            <a:off x="3453840" y="918000"/>
-            <a:ext cx="686160" cy="336240"/>
+          <p:cNvPr id="120" name="" descr=""/>
+          <p:cNvPicPr/>
+          <p:nvPr/>
+        </p:nvPicPr>
+        <p:blipFill>
+          <a:blip r:embed="rId4"/>
+          <a:stretch/>
+        </p:blipFill>
+        <p:spPr>
+          <a:xfrm>
+            <a:off x="4173840" y="702000"/>
+            <a:ext cx="685800" cy="335880"/>
           </a:xfrm>
           <a:prstGeom prst="rect">
             <a:avLst/>
@@ -3917,10 +3679,10 @@
   <p:timing>
     <p:tnLst>
       <p:par>
-        <p:cTn id="37" dur="indefinite" restart="never" nodeType="tmRoot">
+        <p:cTn id="33" dur="indefinite" restart="never" nodeType="tmRoot">
           <p:childTnLst>
             <p:seq>
-              <p:cTn id="38" dur="indefinite" nodeType="mainSeq"/>
+              <p:cTn id="34" dur="indefinite" nodeType="mainSeq"/>
               <p:prevCondLst>
                 <p:cond delay="0" evt="onPrev">
                   <p:tgtEl>
@@ -3961,171 +3723,368 @@
           <a:chExt cx="0" cy="0"/>
         </a:xfrm>
       </p:grpSpPr>
-      <p:pic>
-        <p:nvPicPr>
-          <p:cNvPr id="43" name="Picture 1" descr=""/>
-          <p:cNvPicPr/>
-          <p:nvPr/>
-        </p:nvPicPr>
-        <p:blipFill>
-          <a:blip r:embed="rId1"/>
-          <a:stretch/>
-        </p:blipFill>
-        <p:spPr>
-          <a:xfrm>
-            <a:off x="369720" y="753480"/>
-            <a:ext cx="10982160" cy="6012720"/>
-          </a:xfrm>
-          <a:prstGeom prst="rect">
-            <a:avLst/>
-          </a:prstGeom>
-          <a:ln>
-            <a:noFill/>
-          </a:ln>
-        </p:spPr>
-      </p:pic>
-      <p:sp>
-        <p:nvSpPr>
-          <p:cNvPr id="44" name="CustomShape 1"/>
-          <p:cNvSpPr/>
-          <p:nvPr/>
-        </p:nvSpPr>
-        <p:spPr>
-          <a:xfrm>
-            <a:off x="720000" y="186120"/>
-            <a:ext cx="10690200" cy="639000"/>
-          </a:xfrm>
-          <a:prstGeom prst="rect">
-            <a:avLst/>
-          </a:prstGeom>
-          <a:noFill/>
-          <a:ln>
-            <a:noFill/>
-          </a:ln>
-        </p:spPr>
-        <p:style>
-          <a:lnRef idx="0"/>
-          <a:fillRef idx="0"/>
-          <a:effectRef idx="0"/>
-          <a:fontRef idx="minor"/>
-        </p:style>
-        <p:txBody>
-          <a:bodyPr lIns="90000" rIns="90000" tIns="45000" bIns="45000"/>
-          <a:p>
-            <a:pPr>
-              <a:lnSpc>
-                <a:spcPct val="100000"/>
-              </a:lnSpc>
-            </a:pPr>
-            <a:r>
-              <a:rPr b="0" lang="en-IN" sz="1800" spc="-1" strike="noStrike">
-                <a:solidFill>
-                  <a:srgbClr val="000000"/>
-                </a:solidFill>
-                <a:latin typeface="Calibri"/>
-              </a:rPr>
-              <a:t>Admin Register:</a:t>
-            </a:r>
-            <a:endParaRPr b="0" lang="en-IN" sz="1800" spc="-1" strike="noStrike">
-              <a:latin typeface="Arial"/>
-            </a:endParaRPr>
-          </a:p>
-          <a:p>
-            <a:pPr>
-              <a:lnSpc>
-                <a:spcPct val="100000"/>
-              </a:lnSpc>
-            </a:pPr>
-            <a:r>
-              <a:rPr b="0" lang="en-IN" sz="1800" spc="-1" strike="noStrike">
-                <a:solidFill>
-                  <a:srgbClr val="000000"/>
-                </a:solidFill>
-                <a:latin typeface="Calibri"/>
-              </a:rPr>
-              <a:t>Enter the required fields. </a:t>
-            </a:r>
-            <a:endParaRPr b="0" lang="en-IN" sz="1800" spc="-1" strike="noStrike">
-              <a:latin typeface="Arial"/>
-            </a:endParaRPr>
-          </a:p>
-        </p:txBody>
-      </p:sp>
-      <p:pic>
-        <p:nvPicPr>
-          <p:cNvPr id="45" name="Picture 3" descr=""/>
-          <p:cNvPicPr/>
-          <p:nvPr/>
-        </p:nvPicPr>
-        <p:blipFill>
-          <a:blip r:embed="rId2"/>
-          <a:stretch/>
-        </p:blipFill>
-        <p:spPr>
-          <a:xfrm>
-            <a:off x="4549320" y="1274400"/>
-            <a:ext cx="1816560" cy="507960"/>
-          </a:xfrm>
-          <a:prstGeom prst="rect">
-            <a:avLst/>
-          </a:prstGeom>
-          <a:ln>
-            <a:noFill/>
-          </a:ln>
-        </p:spPr>
-      </p:pic>
-      <p:pic>
-        <p:nvPicPr>
-          <p:cNvPr id="46" name="Picture 4" descr=""/>
-          <p:cNvPicPr/>
-          <p:nvPr/>
-        </p:nvPicPr>
-        <p:blipFill>
-          <a:blip r:embed="rId3"/>
-          <a:stretch/>
-        </p:blipFill>
-        <p:spPr>
-          <a:xfrm>
-            <a:off x="4389840" y="4766400"/>
-            <a:ext cx="2769480" cy="497520"/>
-          </a:xfrm>
-          <a:prstGeom prst="rect">
-            <a:avLst/>
-          </a:prstGeom>
-          <a:ln>
-            <a:noFill/>
-          </a:ln>
-        </p:spPr>
-      </p:pic>
+      <p:graphicFrame>
+        <p:nvGraphicFramePr>
+          <p:cNvPr id="40" name="Table 1"/>
+          <p:cNvGraphicFramePr/>
+          <p:nvPr/>
+        </p:nvGraphicFramePr>
+        <p:xfrm>
+          <a:off x="2148120" y="1337760"/>
+          <a:ext cx="6912000" cy="1581120"/>
+        </p:xfrm>
+        <a:graphic>
+          <a:graphicData uri="http://schemas.openxmlformats.org/drawingml/2006/table">
+            <a:tbl>
+              <a:tblPr/>
+              <a:tblGrid>
+                <a:gridCol w="1727280"/>
+                <a:gridCol w="1727280"/>
+                <a:gridCol w="1727280"/>
+                <a:gridCol w="3708360"/>
+              </a:tblGrid>
+              <a:tr h="464760">
+                <a:tc>
+                  <a:txBody>
+                    <a:bodyPr lIns="90000" rIns="90000" tIns="46800" bIns="46800"/>
+                    <a:p>
+                      <a:pPr algn="ctr"/>
+                      <a:r>
+                        <a:rPr b="1" lang="en-IN" sz="2000" spc="-1" strike="noStrike">
+                          <a:latin typeface="Arial"/>
+                        </a:rPr>
+                        <a:t>Version</a:t>
+                      </a:r>
+                      <a:endParaRPr b="1" lang="en-IN" sz="2000" spc="-1" strike="noStrike">
+                        <a:latin typeface="Arial"/>
+                      </a:endParaRPr>
+                    </a:p>
+                  </a:txBody>
+                  <a:tcPr marL="90000" marR="90000">
+                    <a:lnL w="720">
+                      <a:solidFill>
+                        <a:srgbClr val="ffffff"/>
+                      </a:solidFill>
+                    </a:lnL>
+                    <a:lnR w="720">
+                      <a:solidFill>
+                        <a:srgbClr val="ffffff"/>
+                      </a:solidFill>
+                    </a:lnR>
+                    <a:lnT w="720">
+                      <a:solidFill>
+                        <a:srgbClr val="ffffff"/>
+                      </a:solidFill>
+                    </a:lnT>
+                    <a:lnB w="720">
+                      <a:solidFill>
+                        <a:srgbClr val="ffffff"/>
+                      </a:solidFill>
+                    </a:lnB>
+                    <a:solidFill>
+                      <a:srgbClr val="b3b3b3"/>
+                    </a:solidFill>
+                  </a:tcPr>
+                </a:tc>
+                <a:tc>
+                  <a:txBody>
+                    <a:bodyPr lIns="90000" rIns="90000" tIns="46800" bIns="46800"/>
+                    <a:p>
+                      <a:pPr algn="ctr"/>
+                      <a:r>
+                        <a:rPr b="1" lang="en-IN" sz="2000" spc="-1" strike="noStrike">
+                          <a:latin typeface="Arial"/>
+                        </a:rPr>
+                        <a:t>Date</a:t>
+                      </a:r>
+                      <a:endParaRPr b="1" lang="en-IN" sz="2000" spc="-1" strike="noStrike">
+                        <a:latin typeface="Arial"/>
+                      </a:endParaRPr>
+                    </a:p>
+                  </a:txBody>
+                  <a:tcPr marL="90000" marR="90000">
+                    <a:lnL w="720">
+                      <a:solidFill>
+                        <a:srgbClr val="ffffff"/>
+                      </a:solidFill>
+                    </a:lnL>
+                    <a:lnR w="720">
+                      <a:solidFill>
+                        <a:srgbClr val="ffffff"/>
+                      </a:solidFill>
+                    </a:lnR>
+                    <a:lnT w="720">
+                      <a:solidFill>
+                        <a:srgbClr val="ffffff"/>
+                      </a:solidFill>
+                    </a:lnT>
+                    <a:lnB w="720">
+                      <a:solidFill>
+                        <a:srgbClr val="ffffff"/>
+                      </a:solidFill>
+                    </a:lnB>
+                    <a:solidFill>
+                      <a:srgbClr val="b3b3b3"/>
+                    </a:solidFill>
+                  </a:tcPr>
+                </a:tc>
+                <a:tc>
+                  <a:txBody>
+                    <a:bodyPr lIns="90000" rIns="90000" tIns="46800" bIns="46800"/>
+                    <a:p>
+                      <a:pPr algn="ctr"/>
+                      <a:r>
+                        <a:rPr b="1" lang="en-IN" sz="2000" spc="-1" strike="noStrike">
+                          <a:latin typeface="Arial"/>
+                        </a:rPr>
+                        <a:t>Edited By</a:t>
+                      </a:r>
+                      <a:endParaRPr b="1" lang="en-IN" sz="2000" spc="-1" strike="noStrike">
+                        <a:latin typeface="Arial"/>
+                      </a:endParaRPr>
+                    </a:p>
+                  </a:txBody>
+                  <a:tcPr marL="90000" marR="90000">
+                    <a:lnL w="720">
+                      <a:solidFill>
+                        <a:srgbClr val="ffffff"/>
+                      </a:solidFill>
+                    </a:lnL>
+                    <a:lnR w="720">
+                      <a:solidFill>
+                        <a:srgbClr val="ffffff"/>
+                      </a:solidFill>
+                    </a:lnR>
+                    <a:lnT w="720">
+                      <a:solidFill>
+                        <a:srgbClr val="ffffff"/>
+                      </a:solidFill>
+                    </a:lnT>
+                    <a:lnB w="720">
+                      <a:solidFill>
+                        <a:srgbClr val="ffffff"/>
+                      </a:solidFill>
+                    </a:lnB>
+                    <a:solidFill>
+                      <a:srgbClr val="b3b3b3"/>
+                    </a:solidFill>
+                  </a:tcPr>
+                </a:tc>
+                <a:tc>
+                  <a:txBody>
+                    <a:bodyPr lIns="90000" rIns="90000" tIns="46800" bIns="46800"/>
+                    <a:p>
+                      <a:pPr algn="ctr"/>
+                      <a:r>
+                        <a:rPr b="1" lang="en-IN" sz="2000" spc="-1" strike="noStrike">
+                          <a:latin typeface="Arial"/>
+                        </a:rPr>
+                        <a:t>Description</a:t>
+                      </a:r>
+                      <a:endParaRPr b="1" lang="en-IN" sz="2000" spc="-1" strike="noStrike">
+                        <a:latin typeface="Arial"/>
+                      </a:endParaRPr>
+                    </a:p>
+                  </a:txBody>
+                  <a:tcPr marL="90000" marR="90000">
+                    <a:lnL w="720">
+                      <a:solidFill>
+                        <a:srgbClr val="ffffff"/>
+                      </a:solidFill>
+                    </a:lnL>
+                    <a:lnR w="720">
+                      <a:solidFill>
+                        <a:srgbClr val="ffffff"/>
+                      </a:solidFill>
+                    </a:lnR>
+                    <a:lnT w="720">
+                      <a:solidFill>
+                        <a:srgbClr val="ffffff"/>
+                      </a:solidFill>
+                    </a:lnT>
+                    <a:lnB w="720">
+                      <a:solidFill>
+                        <a:srgbClr val="ffffff"/>
+                      </a:solidFill>
+                    </a:lnB>
+                    <a:solidFill>
+                      <a:srgbClr val="b3b3b3"/>
+                    </a:solidFill>
+                  </a:tcPr>
+                </a:tc>
+              </a:tr>
+              <a:tr h="483480">
+                <a:tc>
+                  <a:txBody>
+                    <a:bodyPr lIns="90000" rIns="90000" tIns="46800" bIns="46800"/>
+                    <a:p>
+                      <a:r>
+                        <a:rPr b="0" lang="en-IN" sz="1800" spc="-1" strike="noStrike">
+                          <a:latin typeface="Arial"/>
+                        </a:rPr>
+                        <a:t>1.0.01</a:t>
+                      </a:r>
+                      <a:endParaRPr b="0" lang="en-IN" sz="1800" spc="-1" strike="noStrike">
+                        <a:latin typeface="Arial"/>
+                      </a:endParaRPr>
+                    </a:p>
+                  </a:txBody>
+                  <a:tcPr marL="90000" marR="90000">
+                    <a:lnL w="720">
+                      <a:solidFill>
+                        <a:srgbClr val="ffffff"/>
+                      </a:solidFill>
+                    </a:lnL>
+                    <a:lnR w="720">
+                      <a:solidFill>
+                        <a:srgbClr val="ffffff"/>
+                      </a:solidFill>
+                    </a:lnR>
+                    <a:lnT w="720">
+                      <a:solidFill>
+                        <a:srgbClr val="ffffff"/>
+                      </a:solidFill>
+                    </a:lnT>
+                    <a:lnB w="720">
+                      <a:solidFill>
+                        <a:srgbClr val="ffffff"/>
+                      </a:solidFill>
+                    </a:lnB>
+                    <a:solidFill>
+                      <a:srgbClr val="cccccc"/>
+                    </a:solidFill>
+                  </a:tcPr>
+                </a:tc>
+                <a:tc>
+                  <a:txBody>
+                    <a:bodyPr lIns="90000" rIns="90000" tIns="46800" bIns="46800"/>
+                    <a:p>
+                      <a:r>
+                        <a:rPr b="0" lang="en-IN" sz="1800" spc="-1" strike="noStrike">
+                          <a:latin typeface="Arial"/>
+                        </a:rPr>
+                        <a:t>04-06-2020</a:t>
+                      </a:r>
+                      <a:endParaRPr b="0" lang="en-IN" sz="1800" spc="-1" strike="noStrike">
+                        <a:latin typeface="Arial"/>
+                      </a:endParaRPr>
+                    </a:p>
+                  </a:txBody>
+                  <a:tcPr marL="90000" marR="90000">
+                    <a:lnL w="720">
+                      <a:solidFill>
+                        <a:srgbClr val="ffffff"/>
+                      </a:solidFill>
+                    </a:lnL>
+                    <a:lnR w="720">
+                      <a:solidFill>
+                        <a:srgbClr val="ffffff"/>
+                      </a:solidFill>
+                    </a:lnR>
+                    <a:lnT w="720">
+                      <a:solidFill>
+                        <a:srgbClr val="ffffff"/>
+                      </a:solidFill>
+                    </a:lnT>
+                    <a:lnB w="720">
+                      <a:solidFill>
+                        <a:srgbClr val="ffffff"/>
+                      </a:solidFill>
+                    </a:lnB>
+                    <a:solidFill>
+                      <a:srgbClr val="cccccc"/>
+                    </a:solidFill>
+                  </a:tcPr>
+                </a:tc>
+                <a:tc>
+                  <a:txBody>
+                    <a:bodyPr lIns="90000" rIns="90000" tIns="46800" bIns="46800"/>
+                    <a:p>
+                      <a:r>
+                        <a:rPr b="0" lang="en-IN" sz="1800" spc="-1" strike="noStrike">
+                          <a:latin typeface="Arial"/>
+                        </a:rPr>
+                        <a:t>Megha M</a:t>
+                      </a:r>
+                      <a:endParaRPr b="0" lang="en-IN" sz="1800" spc="-1" strike="noStrike">
+                        <a:latin typeface="Arial"/>
+                      </a:endParaRPr>
+                    </a:p>
+                  </a:txBody>
+                  <a:tcPr marL="90000" marR="90000">
+                    <a:lnL w="720">
+                      <a:solidFill>
+                        <a:srgbClr val="ffffff"/>
+                      </a:solidFill>
+                    </a:lnL>
+                    <a:lnR w="720">
+                      <a:solidFill>
+                        <a:srgbClr val="ffffff"/>
+                      </a:solidFill>
+                    </a:lnR>
+                    <a:lnT w="720">
+                      <a:solidFill>
+                        <a:srgbClr val="ffffff"/>
+                      </a:solidFill>
+                    </a:lnT>
+                    <a:lnB w="720">
+                      <a:solidFill>
+                        <a:srgbClr val="ffffff"/>
+                      </a:solidFill>
+                    </a:lnB>
+                    <a:solidFill>
+                      <a:srgbClr val="cccccc"/>
+                    </a:solidFill>
+                  </a:tcPr>
+                </a:tc>
+                <a:tc>
+                  <a:txBody>
+                    <a:bodyPr lIns="90000" rIns="90000" tIns="46800" bIns="46800"/>
+                    <a:p>
+                      <a:r>
+                        <a:rPr b="0" lang="en-IN" sz="1800" spc="-1" strike="noStrike">
+                          <a:latin typeface="Arial"/>
+                        </a:rPr>
+                        <a:t>Initial Release(Draft copy)</a:t>
+                      </a:r>
+                      <a:endParaRPr b="0" lang="en-IN" sz="1800" spc="-1" strike="noStrike">
+                        <a:latin typeface="Arial"/>
+                      </a:endParaRPr>
+                    </a:p>
+                  </a:txBody>
+                  <a:tcPr marL="90000" marR="90000">
+                    <a:lnL w="720">
+                      <a:solidFill>
+                        <a:srgbClr val="ffffff"/>
+                      </a:solidFill>
+                    </a:lnL>
+                    <a:lnR w="720">
+                      <a:solidFill>
+                        <a:srgbClr val="ffffff"/>
+                      </a:solidFill>
+                    </a:lnR>
+                    <a:lnT w="720">
+                      <a:solidFill>
+                        <a:srgbClr val="ffffff"/>
+                      </a:solidFill>
+                    </a:lnT>
+                    <a:lnB w="720">
+                      <a:solidFill>
+                        <a:srgbClr val="ffffff"/>
+                      </a:solidFill>
+                    </a:lnB>
+                    <a:solidFill>
+                      <a:srgbClr val="cccccc"/>
+                    </a:solidFill>
+                  </a:tcPr>
+                </a:tc>
+              </a:tr>
+            </a:tbl>
+          </a:graphicData>
+        </a:graphic>
+      </p:graphicFrame>
     </p:spTree>
   </p:cSld>
-  <p:timing>
-    <p:tnLst>
-      <p:par>
-        <p:cTn id="3" dur="indefinite" restart="never" nodeType="tmRoot">
-          <p:childTnLst>
-            <p:seq>
-              <p:cTn id="4" dur="indefinite" nodeType="mainSeq"/>
-              <p:prevCondLst>
-                <p:cond delay="0" evt="onPrev">
-                  <p:tgtEl>
-                    <p:sldTgt/>
-                  </p:tgtEl>
-                </p:cond>
-              </p:prevCondLst>
-              <p:nextCondLst>
-                <p:cond delay="0" evt="onNext">
-                  <p:tgtEl>
-                    <p:sldTgt/>
-                  </p:tgtEl>
-                </p:cond>
-              </p:nextCondLst>
-            </p:seq>
-          </p:childTnLst>
-        </p:cTn>
-      </p:par>
-    </p:tnLst>
-  </p:timing>
 </p:sld>
 </file>
 
@@ -4148,7 +4107,7 @@
       </p:grpSpPr>
       <p:pic>
         <p:nvPicPr>
-          <p:cNvPr id="130" name="Picture 1" descr=""/>
+          <p:cNvPr id="121" name="Picture 3" descr=""/>
           <p:cNvPicPr/>
           <p:nvPr/>
         </p:nvPicPr>
@@ -4158,20 +4117,20 @@
         </p:blipFill>
         <p:spPr>
           <a:xfrm>
-            <a:off x="0" y="936000"/>
-            <a:ext cx="12191760" cy="5472000"/>
-          </a:xfrm>
-          <a:prstGeom prst="rect">
-            <a:avLst/>
-          </a:prstGeom>
-          <a:ln>
-            <a:noFill/>
-          </a:ln>
-        </p:spPr>
-      </p:pic>
-      <p:pic>
-        <p:nvPicPr>
-          <p:cNvPr id="131" name="Picture 2" descr=""/>
+            <a:off x="0" y="729000"/>
+            <a:ext cx="12191400" cy="5788800"/>
+          </a:xfrm>
+          <a:prstGeom prst="rect">
+            <a:avLst/>
+          </a:prstGeom>
+          <a:ln>
+            <a:noFill/>
+          </a:ln>
+        </p:spPr>
+      </p:pic>
+      <p:pic>
+        <p:nvPicPr>
+          <p:cNvPr id="122" name="Picture 4" descr=""/>
           <p:cNvPicPr/>
           <p:nvPr/>
         </p:nvPicPr>
@@ -4181,8 +4140,31 @@
         </p:blipFill>
         <p:spPr>
           <a:xfrm>
-            <a:off x="1644120" y="1019520"/>
-            <a:ext cx="825480" cy="232200"/>
+            <a:off x="0" y="729000"/>
+            <a:ext cx="6468120" cy="340560"/>
+          </a:xfrm>
+          <a:prstGeom prst="rect">
+            <a:avLst/>
+          </a:prstGeom>
+          <a:ln>
+            <a:noFill/>
+          </a:ln>
+        </p:spPr>
+      </p:pic>
+      <p:pic>
+        <p:nvPicPr>
+          <p:cNvPr id="123" name="Picture 5" descr=""/>
+          <p:cNvPicPr/>
+          <p:nvPr/>
+        </p:nvPicPr>
+        <p:blipFill>
+          <a:blip r:embed="rId3"/>
+          <a:stretch/>
+        </p:blipFill>
+        <p:spPr>
+          <a:xfrm>
+            <a:off x="2052360" y="783360"/>
+            <a:ext cx="825120" cy="231840"/>
           </a:xfrm>
           <a:prstGeom prst="rect">
             <a:avLst/>
@@ -4194,14 +4176,14 @@
       </p:pic>
       <p:sp>
         <p:nvSpPr>
-          <p:cNvPr id="132" name="CustomShape 1"/>
+          <p:cNvPr id="124" name="CustomShape 1"/>
           <p:cNvSpPr/>
           <p:nvPr/>
         </p:nvSpPr>
         <p:spPr>
           <a:xfrm>
-            <a:off x="-26640" y="-57960"/>
-            <a:ext cx="11042640" cy="777960"/>
+            <a:off x="554040" y="201960"/>
+            <a:ext cx="9892800" cy="364320"/>
           </a:xfrm>
           <a:prstGeom prst="rect">
             <a:avLst/>
@@ -4218,15 +4200,12 @@
           <a:fontRef idx="minor"/>
         </p:style>
         <p:txBody>
-          <a:bodyPr wrap="none" lIns="90000" rIns="90000" tIns="45000" bIns="45000"/>
+          <a:bodyPr lIns="90000" rIns="90000" tIns="45000" bIns="45000"/>
           <a:p>
             <a:pPr>
               <a:lnSpc>
-                <a:spcPct val="107000"/>
+                <a:spcPct val="100000"/>
               </a:lnSpc>
-              <a:spcAft>
-                <a:spcPts val="799"/>
-              </a:spcAft>
             </a:pPr>
             <a:r>
               <a:rPr b="0" lang="en-IN" sz="1800" spc="-1" strike="noStrike">
@@ -4234,53 +4213,30 @@
                   <a:srgbClr val="000000"/>
                 </a:solidFill>
                 <a:latin typeface="Calibri"/>
-                <a:ea typeface="Calibri"/>
+                <a:ea typeface="DejaVu Sans"/>
               </a:rPr>
-              <a:t>On successful upload of video, redirects to add answers(shot location type and shot type) and </a:t>
+              <a:t>Successful mapping of player and coach. </a:t>
             </a:r>
             <a:endParaRPr b="0" lang="en-IN" sz="1800" spc="-1" strike="noStrike">
               <a:latin typeface="Arial"/>
             </a:endParaRPr>
           </a:p>
-          <a:p>
-            <a:pPr>
-              <a:lnSpc>
-                <a:spcPct val="107000"/>
-              </a:lnSpc>
-              <a:spcAft>
-                <a:spcPts val="799"/>
-              </a:spcAft>
-            </a:pPr>
-            <a:r>
-              <a:rPr b="0" lang="en-IN" sz="1800" spc="-1" strike="noStrike">
-                <a:solidFill>
-                  <a:srgbClr val="000000"/>
-                </a:solidFill>
-                <a:latin typeface="Calibri"/>
-                <a:ea typeface="Calibri"/>
-              </a:rPr>
-              <a:t>pauses for the uploaded video.</a:t>
-            </a:r>
-            <a:endParaRPr b="0" lang="en-IN" sz="1800" spc="-1" strike="noStrike">
-              <a:latin typeface="Arial"/>
-            </a:endParaRPr>
-          </a:p>
         </p:txBody>
       </p:sp>
       <p:pic>
         <p:nvPicPr>
-          <p:cNvPr id="133" name="" descr=""/>
-          <p:cNvPicPr/>
-          <p:nvPr/>
-        </p:nvPicPr>
-        <p:blipFill>
-          <a:blip r:embed="rId3"/>
-          <a:stretch/>
-        </p:blipFill>
-        <p:spPr>
-          <a:xfrm>
-            <a:off x="3453840" y="918000"/>
-            <a:ext cx="686160" cy="336240"/>
+          <p:cNvPr id="125" name="" descr=""/>
+          <p:cNvPicPr/>
+          <p:nvPr/>
+        </p:nvPicPr>
+        <p:blipFill>
+          <a:blip r:embed="rId4"/>
+          <a:stretch/>
+        </p:blipFill>
+        <p:spPr>
+          <a:xfrm>
+            <a:off x="4137840" y="738000"/>
+            <a:ext cx="685800" cy="335880"/>
           </a:xfrm>
           <a:prstGeom prst="rect">
             <a:avLst/>
@@ -4295,10 +4251,10 @@
   <p:timing>
     <p:tnLst>
       <p:par>
-        <p:cTn id="39" dur="indefinite" restart="never" nodeType="tmRoot">
+        <p:cTn id="35" dur="indefinite" restart="never" nodeType="tmRoot">
           <p:childTnLst>
             <p:seq>
-              <p:cTn id="40" dur="indefinite" nodeType="mainSeq"/>
+              <p:cTn id="36" dur="indefinite" nodeType="mainSeq"/>
               <p:prevCondLst>
                 <p:cond delay="0" evt="onPrev">
                   <p:tgtEl>
@@ -4341,6 +4297,386 @@
       </p:grpSpPr>
       <p:pic>
         <p:nvPicPr>
+          <p:cNvPr id="126" name="Picture 2" descr=""/>
+          <p:cNvPicPr/>
+          <p:nvPr/>
+        </p:nvPicPr>
+        <p:blipFill>
+          <a:blip r:embed="rId1"/>
+          <a:stretch/>
+        </p:blipFill>
+        <p:spPr>
+          <a:xfrm>
+            <a:off x="0" y="888840"/>
+            <a:ext cx="12191400" cy="5727240"/>
+          </a:xfrm>
+          <a:prstGeom prst="rect">
+            <a:avLst/>
+          </a:prstGeom>
+          <a:ln>
+            <a:noFill/>
+          </a:ln>
+        </p:spPr>
+      </p:pic>
+      <p:pic>
+        <p:nvPicPr>
+          <p:cNvPr id="127" name="Picture 3" descr=""/>
+          <p:cNvPicPr/>
+          <p:nvPr/>
+        </p:nvPicPr>
+        <p:blipFill>
+          <a:blip r:embed="rId2"/>
+          <a:stretch/>
+        </p:blipFill>
+        <p:spPr>
+          <a:xfrm>
+            <a:off x="1673280" y="957240"/>
+            <a:ext cx="825120" cy="231840"/>
+          </a:xfrm>
+          <a:prstGeom prst="rect">
+            <a:avLst/>
+          </a:prstGeom>
+          <a:ln>
+            <a:noFill/>
+          </a:ln>
+        </p:spPr>
+      </p:pic>
+      <p:sp>
+        <p:nvSpPr>
+          <p:cNvPr id="128" name="CustomShape 1"/>
+          <p:cNvSpPr/>
+          <p:nvPr/>
+        </p:nvSpPr>
+        <p:spPr>
+          <a:xfrm>
+            <a:off x="340200" y="161640"/>
+            <a:ext cx="9892800" cy="912240"/>
+          </a:xfrm>
+          <a:prstGeom prst="rect">
+            <a:avLst/>
+          </a:prstGeom>
+          <a:noFill/>
+          <a:ln>
+            <a:noFill/>
+          </a:ln>
+        </p:spPr>
+        <p:style>
+          <a:lnRef idx="0"/>
+          <a:fillRef idx="0"/>
+          <a:effectRef idx="0"/>
+          <a:fontRef idx="minor"/>
+        </p:style>
+        <p:txBody>
+          <a:bodyPr lIns="90000" rIns="90000" tIns="45000" bIns="45000"/>
+          <a:p>
+            <a:pPr>
+              <a:lnSpc>
+                <a:spcPct val="100000"/>
+              </a:lnSpc>
+            </a:pPr>
+            <a:r>
+              <a:rPr b="0" lang="en-IN" sz="1800" spc="-1" strike="noStrike">
+                <a:solidFill>
+                  <a:srgbClr val="000000"/>
+                </a:solidFill>
+                <a:latin typeface="Calibri"/>
+                <a:ea typeface="DejaVu Sans"/>
+              </a:rPr>
+              <a:t>Admin selects different videos from local system and selects different level for the video.</a:t>
+            </a:r>
+            <a:endParaRPr b="0" lang="en-IN" sz="1800" spc="-1" strike="noStrike">
+              <a:latin typeface="Arial"/>
+            </a:endParaRPr>
+          </a:p>
+          <a:p>
+            <a:pPr>
+              <a:lnSpc>
+                <a:spcPct val="100000"/>
+              </a:lnSpc>
+            </a:pPr>
+            <a:r>
+              <a:rPr b="0" lang="en-IN" sz="1800" spc="-1" strike="noStrike">
+                <a:solidFill>
+                  <a:srgbClr val="000000"/>
+                </a:solidFill>
+                <a:latin typeface="Calibri"/>
+                <a:ea typeface="DejaVu Sans"/>
+              </a:rPr>
+              <a:t> </a:t>
+            </a:r>
+            <a:endParaRPr b="0" lang="en-IN" sz="1800" spc="-1" strike="noStrike">
+              <a:latin typeface="Arial"/>
+            </a:endParaRPr>
+          </a:p>
+        </p:txBody>
+      </p:sp>
+      <p:pic>
+        <p:nvPicPr>
+          <p:cNvPr id="129" name="" descr=""/>
+          <p:cNvPicPr/>
+          <p:nvPr/>
+        </p:nvPicPr>
+        <p:blipFill>
+          <a:blip r:embed="rId3"/>
+          <a:stretch/>
+        </p:blipFill>
+        <p:spPr>
+          <a:xfrm>
+            <a:off x="3453840" y="918000"/>
+            <a:ext cx="685800" cy="335880"/>
+          </a:xfrm>
+          <a:prstGeom prst="rect">
+            <a:avLst/>
+          </a:prstGeom>
+          <a:ln>
+            <a:noFill/>
+          </a:ln>
+        </p:spPr>
+      </p:pic>
+    </p:spTree>
+  </p:cSld>
+  <p:timing>
+    <p:tnLst>
+      <p:par>
+        <p:cTn id="37" dur="indefinite" restart="never" nodeType="tmRoot">
+          <p:childTnLst>
+            <p:seq>
+              <p:cTn id="38" dur="indefinite" nodeType="mainSeq"/>
+              <p:prevCondLst>
+                <p:cond delay="0" evt="onPrev">
+                  <p:tgtEl>
+                    <p:sldTgt/>
+                  </p:tgtEl>
+                </p:cond>
+              </p:prevCondLst>
+              <p:nextCondLst>
+                <p:cond delay="0" evt="onNext">
+                  <p:tgtEl>
+                    <p:sldTgt/>
+                  </p:tgtEl>
+                </p:cond>
+              </p:nextCondLst>
+            </p:seq>
+          </p:childTnLst>
+        </p:cTn>
+      </p:par>
+    </p:tnLst>
+  </p:timing>
+</p:sld>
+</file>
+
+<file path=ppt/slides/slide22.xml><?xml version="1.0" encoding="utf-8"?>
+<p:sld xmlns:a="http://schemas.openxmlformats.org/drawingml/2006/main" xmlns:p="http://schemas.openxmlformats.org/presentationml/2006/main" xmlns:r="http://schemas.openxmlformats.org/officeDocument/2006/relationships" xmlns:p14="http://schemas.microsoft.com/office/powerpoint/2010/main" xmlns:p15="http://schemas.microsoft.com/office/powerpoint/2012/main" xmlns:mc="http://schemas.openxmlformats.org/markup-compatibility/2006">
+  <p:cSld>
+    <p:spTree>
+      <p:nvGrpSpPr>
+        <p:cNvPr id="1" name=""/>
+        <p:cNvGrpSpPr/>
+        <p:nvPr/>
+      </p:nvGrpSpPr>
+      <p:grpSpPr>
+        <a:xfrm>
+          <a:off x="0" y="0"/>
+          <a:ext cx="0" cy="0"/>
+          <a:chOff x="0" y="0"/>
+          <a:chExt cx="0" cy="0"/>
+        </a:xfrm>
+      </p:grpSpPr>
+      <p:pic>
+        <p:nvPicPr>
+          <p:cNvPr id="130" name="Picture 1" descr=""/>
+          <p:cNvPicPr/>
+          <p:nvPr/>
+        </p:nvPicPr>
+        <p:blipFill>
+          <a:blip r:embed="rId1"/>
+          <a:stretch/>
+        </p:blipFill>
+        <p:spPr>
+          <a:xfrm>
+            <a:off x="0" y="936000"/>
+            <a:ext cx="12191400" cy="5471640"/>
+          </a:xfrm>
+          <a:prstGeom prst="rect">
+            <a:avLst/>
+          </a:prstGeom>
+          <a:ln>
+            <a:noFill/>
+          </a:ln>
+        </p:spPr>
+      </p:pic>
+      <p:pic>
+        <p:nvPicPr>
+          <p:cNvPr id="131" name="Picture 2" descr=""/>
+          <p:cNvPicPr/>
+          <p:nvPr/>
+        </p:nvPicPr>
+        <p:blipFill>
+          <a:blip r:embed="rId2"/>
+          <a:stretch/>
+        </p:blipFill>
+        <p:spPr>
+          <a:xfrm>
+            <a:off x="1644120" y="1019520"/>
+            <a:ext cx="825120" cy="231840"/>
+          </a:xfrm>
+          <a:prstGeom prst="rect">
+            <a:avLst/>
+          </a:prstGeom>
+          <a:ln>
+            <a:noFill/>
+          </a:ln>
+        </p:spPr>
+      </p:pic>
+      <p:sp>
+        <p:nvSpPr>
+          <p:cNvPr id="132" name="CustomShape 1"/>
+          <p:cNvSpPr/>
+          <p:nvPr/>
+        </p:nvSpPr>
+        <p:spPr>
+          <a:xfrm>
+            <a:off x="-26640" y="-57960"/>
+            <a:ext cx="11042280" cy="777600"/>
+          </a:xfrm>
+          <a:prstGeom prst="rect">
+            <a:avLst/>
+          </a:prstGeom>
+          <a:noFill/>
+          <a:ln>
+            <a:noFill/>
+          </a:ln>
+        </p:spPr>
+        <p:style>
+          <a:lnRef idx="0"/>
+          <a:fillRef idx="0"/>
+          <a:effectRef idx="0"/>
+          <a:fontRef idx="minor"/>
+        </p:style>
+        <p:txBody>
+          <a:bodyPr wrap="none" lIns="90000" rIns="90000" tIns="45000" bIns="45000"/>
+          <a:p>
+            <a:pPr>
+              <a:lnSpc>
+                <a:spcPct val="107000"/>
+              </a:lnSpc>
+              <a:spcAft>
+                <a:spcPts val="799"/>
+              </a:spcAft>
+            </a:pPr>
+            <a:r>
+              <a:rPr b="0" lang="en-IN" sz="1800" spc="-1" strike="noStrike">
+                <a:solidFill>
+                  <a:srgbClr val="000000"/>
+                </a:solidFill>
+                <a:latin typeface="Calibri"/>
+                <a:ea typeface="Calibri"/>
+              </a:rPr>
+              <a:t>On successful upload of video, redirects to add answers(shot location type and shot type) and </a:t>
+            </a:r>
+            <a:endParaRPr b="0" lang="en-IN" sz="1800" spc="-1" strike="noStrike">
+              <a:latin typeface="Arial"/>
+            </a:endParaRPr>
+          </a:p>
+          <a:p>
+            <a:pPr>
+              <a:lnSpc>
+                <a:spcPct val="107000"/>
+              </a:lnSpc>
+              <a:spcAft>
+                <a:spcPts val="799"/>
+              </a:spcAft>
+            </a:pPr>
+            <a:r>
+              <a:rPr b="0" lang="en-IN" sz="1800" spc="-1" strike="noStrike">
+                <a:solidFill>
+                  <a:srgbClr val="000000"/>
+                </a:solidFill>
+                <a:latin typeface="Calibri"/>
+                <a:ea typeface="Calibri"/>
+              </a:rPr>
+              <a:t>pauses for the uploaded video.</a:t>
+            </a:r>
+            <a:endParaRPr b="0" lang="en-IN" sz="1800" spc="-1" strike="noStrike">
+              <a:latin typeface="Arial"/>
+            </a:endParaRPr>
+          </a:p>
+        </p:txBody>
+      </p:sp>
+      <p:pic>
+        <p:nvPicPr>
+          <p:cNvPr id="133" name="" descr=""/>
+          <p:cNvPicPr/>
+          <p:nvPr/>
+        </p:nvPicPr>
+        <p:blipFill>
+          <a:blip r:embed="rId3"/>
+          <a:stretch/>
+        </p:blipFill>
+        <p:spPr>
+          <a:xfrm>
+            <a:off x="3453840" y="918000"/>
+            <a:ext cx="685800" cy="335880"/>
+          </a:xfrm>
+          <a:prstGeom prst="rect">
+            <a:avLst/>
+          </a:prstGeom>
+          <a:ln>
+            <a:noFill/>
+          </a:ln>
+        </p:spPr>
+      </p:pic>
+    </p:spTree>
+  </p:cSld>
+  <p:timing>
+    <p:tnLst>
+      <p:par>
+        <p:cTn id="39" dur="indefinite" restart="never" nodeType="tmRoot">
+          <p:childTnLst>
+            <p:seq>
+              <p:cTn id="40" dur="indefinite" nodeType="mainSeq"/>
+              <p:prevCondLst>
+                <p:cond delay="0" evt="onPrev">
+                  <p:tgtEl>
+                    <p:sldTgt/>
+                  </p:tgtEl>
+                </p:cond>
+              </p:prevCondLst>
+              <p:nextCondLst>
+                <p:cond delay="0" evt="onNext">
+                  <p:tgtEl>
+                    <p:sldTgt/>
+                  </p:tgtEl>
+                </p:cond>
+              </p:nextCondLst>
+            </p:seq>
+          </p:childTnLst>
+        </p:cTn>
+      </p:par>
+    </p:tnLst>
+  </p:timing>
+</p:sld>
+</file>
+
+<file path=ppt/slides/slide23.xml><?xml version="1.0" encoding="utf-8"?>
+<p:sld xmlns:a="http://schemas.openxmlformats.org/drawingml/2006/main" xmlns:p="http://schemas.openxmlformats.org/presentationml/2006/main" xmlns:r="http://schemas.openxmlformats.org/officeDocument/2006/relationships" xmlns:p14="http://schemas.microsoft.com/office/powerpoint/2010/main" xmlns:p15="http://schemas.microsoft.com/office/powerpoint/2012/main" xmlns:mc="http://schemas.openxmlformats.org/markup-compatibility/2006">
+  <p:cSld>
+    <p:spTree>
+      <p:nvGrpSpPr>
+        <p:cNvPr id="1" name=""/>
+        <p:cNvGrpSpPr/>
+        <p:nvPr/>
+      </p:nvGrpSpPr>
+      <p:grpSpPr>
+        <a:xfrm>
+          <a:off x="0" y="0"/>
+          <a:ext cx="0" cy="0"/>
+          <a:chOff x="0" y="0"/>
+          <a:chExt cx="0" cy="0"/>
+        </a:xfrm>
+      </p:grpSpPr>
+      <p:pic>
+        <p:nvPicPr>
           <p:cNvPr id="134" name="Picture 1" descr=""/>
           <p:cNvPicPr/>
           <p:nvPr/>
@@ -4352,7 +4688,7 @@
         <p:spPr>
           <a:xfrm>
             <a:off x="0" y="634320"/>
-            <a:ext cx="12191760" cy="5977800"/>
+            <a:ext cx="12191400" cy="5977440"/>
           </a:xfrm>
           <a:prstGeom prst="rect">
             <a:avLst/>
@@ -4375,7 +4711,7 @@
         <p:spPr>
           <a:xfrm>
             <a:off x="1614960" y="964080"/>
-            <a:ext cx="825480" cy="232200"/>
+            <a:ext cx="825120" cy="231840"/>
           </a:xfrm>
           <a:prstGeom prst="rect">
             <a:avLst/>
@@ -4394,7 +4730,7 @@
         <p:spPr>
           <a:xfrm>
             <a:off x="424800" y="100440"/>
-            <a:ext cx="7113960" cy="364680"/>
+            <a:ext cx="7113600" cy="364320"/>
           </a:xfrm>
           <a:prstGeom prst="rect">
             <a:avLst/>
@@ -4447,7 +4783,7 @@
         <p:spPr>
           <a:xfrm>
             <a:off x="3384000" y="900000"/>
-            <a:ext cx="686160" cy="336240"/>
+            <a:ext cx="685800" cy="335880"/>
           </a:xfrm>
           <a:prstGeom prst="rect">
             <a:avLst/>
@@ -4506,16 +4842,39 @@
           <a:chExt cx="0" cy="0"/>
         </a:xfrm>
       </p:grpSpPr>
+      <p:pic>
+        <p:nvPicPr>
+          <p:cNvPr id="41" name="Picture 2" descr=""/>
+          <p:cNvPicPr/>
+          <p:nvPr/>
+        </p:nvPicPr>
+        <p:blipFill>
+          <a:blip r:embed="rId1"/>
+          <a:stretch/>
+        </p:blipFill>
+        <p:spPr>
+          <a:xfrm>
+            <a:off x="720000" y="832320"/>
+            <a:ext cx="10689840" cy="6024960"/>
+          </a:xfrm>
+          <a:prstGeom prst="rect">
+            <a:avLst/>
+          </a:prstGeom>
+          <a:ln>
+            <a:noFill/>
+          </a:ln>
+        </p:spPr>
+      </p:pic>
       <p:sp>
         <p:nvSpPr>
-          <p:cNvPr id="47" name="CustomShape 1"/>
+          <p:cNvPr id="42" name="CustomShape 1"/>
           <p:cNvSpPr/>
           <p:nvPr/>
         </p:nvSpPr>
         <p:spPr>
           <a:xfrm>
             <a:off x="720000" y="186120"/>
-            <a:ext cx="10690200" cy="639000"/>
+            <a:ext cx="10689840" cy="638640"/>
           </a:xfrm>
           <a:prstGeom prst="rect">
             <a:avLst/>
@@ -4545,8 +4904,9 @@
                   <a:srgbClr val="000000"/>
                 </a:solidFill>
                 <a:latin typeface="Calibri"/>
+                <a:ea typeface="DejaVu Sans"/>
               </a:rPr>
-              <a:t>Admin Register failure:</a:t>
+              <a:t>Admin Login:</a:t>
             </a:r>
             <a:endParaRPr b="0" lang="en-IN" sz="1800" spc="-1" strike="noStrike">
               <a:latin typeface="Arial"/>
@@ -4564,8 +4924,9 @@
                   <a:srgbClr val="000000"/>
                 </a:solidFill>
                 <a:latin typeface="Calibri"/>
+                <a:ea typeface="DejaVu Sans"/>
               </a:rPr>
-              <a:t>Registration is failed when the same mail id is entered which is already registered.</a:t>
+              <a:t>Enter the registered mail Id and password. </a:t>
             </a:r>
             <a:endParaRPr b="0" lang="en-IN" sz="1800" spc="-1" strike="noStrike">
               <a:latin typeface="Arial"/>
@@ -4573,38 +4934,15 @@
           </a:p>
         </p:txBody>
       </p:sp>
-      <p:pic>
-        <p:nvPicPr>
-          <p:cNvPr id="48" name="" descr=""/>
-          <p:cNvPicPr/>
-          <p:nvPr/>
-        </p:nvPicPr>
-        <p:blipFill>
-          <a:blip r:embed="rId1"/>
-          <a:stretch/>
-        </p:blipFill>
-        <p:spPr>
-          <a:xfrm>
-            <a:off x="1152000" y="1008000"/>
-            <a:ext cx="9307440" cy="5650920"/>
-          </a:xfrm>
-          <a:prstGeom prst="rect">
-            <a:avLst/>
-          </a:prstGeom>
-          <a:ln>
-            <a:noFill/>
-          </a:ln>
-        </p:spPr>
-      </p:pic>
     </p:spTree>
   </p:cSld>
   <p:timing>
     <p:tnLst>
       <p:par>
-        <p:cTn id="5" dur="indefinite" restart="never" nodeType="tmRoot">
+        <p:cTn id="1" dur="indefinite" restart="never" nodeType="tmRoot">
           <p:childTnLst>
             <p:seq>
-              <p:cTn id="6" dur="indefinite" nodeType="mainSeq"/>
+              <p:cTn id="2" dur="indefinite" nodeType="mainSeq"/>
               <p:prevCondLst>
                 <p:cond delay="0" evt="onPrev">
                   <p:tgtEl>
@@ -4647,7 +4985,7 @@
       </p:grpSpPr>
       <p:pic>
         <p:nvPicPr>
-          <p:cNvPr id="49" name="Picture 2" descr=""/>
+          <p:cNvPr id="43" name="Picture 1" descr=""/>
           <p:cNvPicPr/>
           <p:nvPr/>
         </p:nvPicPr>
@@ -4657,8 +4995,8 @@
         </p:blipFill>
         <p:spPr>
           <a:xfrm>
-            <a:off x="650880" y="817200"/>
-            <a:ext cx="10364760" cy="5914080"/>
+            <a:off x="369720" y="753480"/>
+            <a:ext cx="10981800" cy="6012360"/>
           </a:xfrm>
           <a:prstGeom prst="rect">
             <a:avLst/>
@@ -4670,14 +5008,14 @@
       </p:pic>
       <p:sp>
         <p:nvSpPr>
-          <p:cNvPr id="50" name="CustomShape 1"/>
+          <p:cNvPr id="44" name="CustomShape 1"/>
           <p:cNvSpPr/>
           <p:nvPr/>
         </p:nvSpPr>
         <p:spPr>
           <a:xfrm>
             <a:off x="720000" y="186120"/>
-            <a:ext cx="10690200" cy="639000"/>
+            <a:ext cx="10689840" cy="638640"/>
           </a:xfrm>
           <a:prstGeom prst="rect">
             <a:avLst/>
@@ -4707,8 +5045,9 @@
                   <a:srgbClr val="000000"/>
                 </a:solidFill>
                 <a:latin typeface="Calibri"/>
+                <a:ea typeface="DejaVu Sans"/>
               </a:rPr>
-              <a:t>After successful registration, redirects to Login.</a:t>
+              <a:t>Admin Register:</a:t>
             </a:r>
             <a:endParaRPr b="0" lang="en-IN" sz="1800" spc="-1" strike="noStrike">
               <a:latin typeface="Arial"/>
@@ -4726,8 +5065,9 @@
                   <a:srgbClr val="000000"/>
                 </a:solidFill>
                 <a:latin typeface="Calibri"/>
+                <a:ea typeface="DejaVu Sans"/>
               </a:rPr>
-              <a:t>Enter the registered mail Id and password. </a:t>
+              <a:t>Enter the required fields. </a:t>
             </a:r>
             <a:endParaRPr b="0" lang="en-IN" sz="1800" spc="-1" strike="noStrike">
               <a:latin typeface="Arial"/>
@@ -4735,15 +5075,61 @@
           </a:p>
         </p:txBody>
       </p:sp>
+      <p:pic>
+        <p:nvPicPr>
+          <p:cNvPr id="45" name="Picture 3" descr=""/>
+          <p:cNvPicPr/>
+          <p:nvPr/>
+        </p:nvPicPr>
+        <p:blipFill>
+          <a:blip r:embed="rId2"/>
+          <a:stretch/>
+        </p:blipFill>
+        <p:spPr>
+          <a:xfrm>
+            <a:off x="4549320" y="1274400"/>
+            <a:ext cx="1816200" cy="507600"/>
+          </a:xfrm>
+          <a:prstGeom prst="rect">
+            <a:avLst/>
+          </a:prstGeom>
+          <a:ln>
+            <a:noFill/>
+          </a:ln>
+        </p:spPr>
+      </p:pic>
+      <p:pic>
+        <p:nvPicPr>
+          <p:cNvPr id="46" name="Picture 4" descr=""/>
+          <p:cNvPicPr/>
+          <p:nvPr/>
+        </p:nvPicPr>
+        <p:blipFill>
+          <a:blip r:embed="rId3"/>
+          <a:stretch/>
+        </p:blipFill>
+        <p:spPr>
+          <a:xfrm>
+            <a:off x="4389840" y="4766400"/>
+            <a:ext cx="2769120" cy="497160"/>
+          </a:xfrm>
+          <a:prstGeom prst="rect">
+            <a:avLst/>
+          </a:prstGeom>
+          <a:ln>
+            <a:noFill/>
+          </a:ln>
+        </p:spPr>
+      </p:pic>
     </p:spTree>
   </p:cSld>
   <p:timing>
     <p:tnLst>
       <p:par>
-        <p:cTn id="7" dur="indefinite" restart="never" nodeType="tmRoot">
+        <p:cTn id="3" dur="indefinite" restart="never" nodeType="tmRoot">
           <p:childTnLst>
             <p:seq>
-              <p:cTn id="8" dur="indefinite" nodeType="mainSeq"/>
+              <p:cTn id="4" dur="indefinite" nodeType="mainSeq"/>
               <p:prevCondLst>
                 <p:cond delay="0" evt="onPrev">
                   <p:tgtEl>
@@ -4784,39 +5170,16 @@
           <a:chExt cx="0" cy="0"/>
         </a:xfrm>
       </p:grpSpPr>
-      <p:pic>
-        <p:nvPicPr>
-          <p:cNvPr id="51" name="Picture 4" descr=""/>
-          <p:cNvPicPr/>
-          <p:nvPr/>
-        </p:nvPicPr>
-        <p:blipFill>
-          <a:blip r:embed="rId1"/>
-          <a:stretch/>
-        </p:blipFill>
-        <p:spPr>
-          <a:xfrm>
-            <a:off x="0" y="866880"/>
-            <a:ext cx="12191760" cy="5688360"/>
-          </a:xfrm>
-          <a:prstGeom prst="rect">
-            <a:avLst/>
-          </a:prstGeom>
-          <a:ln>
-            <a:noFill/>
-          </a:ln>
-        </p:spPr>
-      </p:pic>
       <p:sp>
         <p:nvSpPr>
-          <p:cNvPr id="52" name="CustomShape 1"/>
+          <p:cNvPr id="47" name="CustomShape 1"/>
           <p:cNvSpPr/>
           <p:nvPr/>
         </p:nvSpPr>
         <p:spPr>
           <a:xfrm>
-            <a:off x="515520" y="0"/>
-            <a:ext cx="10690200" cy="639000"/>
+            <a:off x="720000" y="186120"/>
+            <a:ext cx="10689840" cy="638640"/>
           </a:xfrm>
           <a:prstGeom prst="rect">
             <a:avLst/>
@@ -4846,10 +5209,30 @@
                   <a:srgbClr val="000000"/>
                 </a:solidFill>
                 <a:latin typeface="Calibri"/>
+                <a:ea typeface="DejaVu Sans"/>
               </a:rPr>
-              <a:t>After successful Login.</a:t>
+              <a:t>Admin Register failure:</a:t>
             </a:r>
-            <a:br/>
+            <a:endParaRPr b="0" lang="en-IN" sz="1800" spc="-1" strike="noStrike">
+              <a:latin typeface="Arial"/>
+            </a:endParaRPr>
+          </a:p>
+          <a:p>
+            <a:pPr>
+              <a:lnSpc>
+                <a:spcPct val="100000"/>
+              </a:lnSpc>
+            </a:pPr>
+            <a:r>
+              <a:rPr b="0" lang="en-IN" sz="1800" spc="-1" strike="noStrike">
+                <a:solidFill>
+                  <a:srgbClr val="000000"/>
+                </a:solidFill>
+                <a:latin typeface="Calibri"/>
+                <a:ea typeface="DejaVu Sans"/>
+              </a:rPr>
+              <a:t>Registration is failed when the same mail id is entered which is already registered.</a:t>
+            </a:r>
             <a:endParaRPr b="0" lang="en-IN" sz="1800" spc="-1" strike="noStrike">
               <a:latin typeface="Arial"/>
             </a:endParaRPr>
@@ -4858,41 +5241,18 @@
       </p:sp>
       <p:pic>
         <p:nvPicPr>
-          <p:cNvPr id="53" name="Picture 6" descr=""/>
-          <p:cNvPicPr/>
-          <p:nvPr/>
-        </p:nvPicPr>
-        <p:blipFill>
-          <a:blip r:embed="rId2"/>
-          <a:stretch/>
-        </p:blipFill>
-        <p:spPr>
-          <a:xfrm>
-            <a:off x="1692720" y="896040"/>
-            <a:ext cx="825480" cy="232200"/>
-          </a:xfrm>
-          <a:prstGeom prst="rect">
-            <a:avLst/>
-          </a:prstGeom>
-          <a:ln>
-            <a:noFill/>
-          </a:ln>
-        </p:spPr>
-      </p:pic>
-      <p:pic>
-        <p:nvPicPr>
-          <p:cNvPr id="54" name="" descr=""/>
-          <p:cNvPicPr/>
-          <p:nvPr/>
-        </p:nvPicPr>
-        <p:blipFill>
-          <a:blip r:embed="rId3"/>
-          <a:stretch/>
-        </p:blipFill>
-        <p:spPr>
-          <a:xfrm>
-            <a:off x="3489840" y="866880"/>
-            <a:ext cx="686160" cy="279360"/>
+          <p:cNvPr id="48" name="" descr=""/>
+          <p:cNvPicPr/>
+          <p:nvPr/>
+        </p:nvPicPr>
+        <p:blipFill>
+          <a:blip r:embed="rId1"/>
+          <a:stretch/>
+        </p:blipFill>
+        <p:spPr>
+          <a:xfrm>
+            <a:off x="1152000" y="1008000"/>
+            <a:ext cx="9307080" cy="5650560"/>
           </a:xfrm>
           <a:prstGeom prst="rect">
             <a:avLst/>
@@ -4907,10 +5267,10 @@
   <p:timing>
     <p:tnLst>
       <p:par>
-        <p:cTn id="9" dur="indefinite" restart="never" nodeType="tmRoot">
+        <p:cTn id="5" dur="indefinite" restart="never" nodeType="tmRoot">
           <p:childTnLst>
             <p:seq>
-              <p:cTn id="10" dur="indefinite" nodeType="mainSeq"/>
+              <p:cTn id="6" dur="indefinite" nodeType="mainSeq"/>
               <p:prevCondLst>
                 <p:cond delay="0" evt="onPrev">
                   <p:tgtEl>
@@ -4953,7 +5313,7 @@
       </p:grpSpPr>
       <p:pic>
         <p:nvPicPr>
-          <p:cNvPr id="55" name="Picture 3" descr=""/>
+          <p:cNvPr id="49" name="Picture 2" descr=""/>
           <p:cNvPicPr/>
           <p:nvPr/>
         </p:nvPicPr>
@@ -4963,54 +5323,8 @@
         </p:blipFill>
         <p:spPr>
           <a:xfrm>
-            <a:off x="0" y="810000"/>
-            <a:ext cx="12191760" cy="5724000"/>
-          </a:xfrm>
-          <a:prstGeom prst="rect">
-            <a:avLst/>
-          </a:prstGeom>
-          <a:ln>
-            <a:noFill/>
-          </a:ln>
-        </p:spPr>
-      </p:pic>
-      <p:pic>
-        <p:nvPicPr>
-          <p:cNvPr id="56" name="Picture 4" descr=""/>
-          <p:cNvPicPr/>
-          <p:nvPr/>
-        </p:nvPicPr>
-        <p:blipFill>
-          <a:blip r:embed="rId2"/>
-          <a:stretch/>
-        </p:blipFill>
-        <p:spPr>
-          <a:xfrm>
-            <a:off x="4834800" y="1216800"/>
-            <a:ext cx="2118960" cy="487800"/>
-          </a:xfrm>
-          <a:prstGeom prst="rect">
-            <a:avLst/>
-          </a:prstGeom>
-          <a:ln>
-            <a:noFill/>
-          </a:ln>
-        </p:spPr>
-      </p:pic>
-      <p:pic>
-        <p:nvPicPr>
-          <p:cNvPr id="57" name="Picture 7" descr=""/>
-          <p:cNvPicPr/>
-          <p:nvPr/>
-        </p:nvPicPr>
-        <p:blipFill>
-          <a:blip r:embed="rId3"/>
-          <a:stretch/>
-        </p:blipFill>
-        <p:spPr>
-          <a:xfrm>
-            <a:off x="0" y="810000"/>
-            <a:ext cx="6468480" cy="340920"/>
+            <a:off x="650880" y="817200"/>
+            <a:ext cx="10364400" cy="5913720"/>
           </a:xfrm>
           <a:prstGeom prst="rect">
             <a:avLst/>
@@ -5022,14 +5336,14 @@
       </p:pic>
       <p:sp>
         <p:nvSpPr>
-          <p:cNvPr id="58" name="CustomShape 1"/>
+          <p:cNvPr id="50" name="CustomShape 1"/>
           <p:cNvSpPr/>
           <p:nvPr/>
         </p:nvSpPr>
         <p:spPr>
           <a:xfrm>
-            <a:off x="476640" y="35640"/>
-            <a:ext cx="10690200" cy="364680"/>
+            <a:off x="720000" y="186120"/>
+            <a:ext cx="10689840" cy="638640"/>
           </a:xfrm>
           <a:prstGeom prst="rect">
             <a:avLst/>
@@ -5059,70 +5373,45 @@
                   <a:srgbClr val="000000"/>
                 </a:solidFill>
                 <a:latin typeface="Calibri"/>
+                <a:ea typeface="DejaVu Sans"/>
               </a:rPr>
-              <a:t>Add Institute page to add new institute.</a:t>
+              <a:t>After successful registration, redirects to Login.</a:t>
             </a:r>
             <a:endParaRPr b="0" lang="en-IN" sz="1800" spc="-1" strike="noStrike">
               <a:latin typeface="Arial"/>
             </a:endParaRPr>
           </a:p>
+          <a:p>
+            <a:pPr>
+              <a:lnSpc>
+                <a:spcPct val="100000"/>
+              </a:lnSpc>
+            </a:pPr>
+            <a:r>
+              <a:rPr b="0" lang="en-IN" sz="1800" spc="-1" strike="noStrike">
+                <a:solidFill>
+                  <a:srgbClr val="000000"/>
+                </a:solidFill>
+                <a:latin typeface="Calibri"/>
+                <a:ea typeface="DejaVu Sans"/>
+              </a:rPr>
+              <a:t>Enter the registered mail Id and password. </a:t>
+            </a:r>
+            <a:endParaRPr b="0" lang="en-IN" sz="1800" spc="-1" strike="noStrike">
+              <a:latin typeface="Arial"/>
+            </a:endParaRPr>
+          </a:p>
         </p:txBody>
       </p:sp>
-      <p:pic>
-        <p:nvPicPr>
-          <p:cNvPr id="59" name="Picture 9" descr=""/>
-          <p:cNvPicPr/>
-          <p:nvPr/>
-        </p:nvPicPr>
-        <p:blipFill>
-          <a:blip r:embed="rId4"/>
-          <a:stretch/>
-        </p:blipFill>
-        <p:spPr>
-          <a:xfrm>
-            <a:off x="1955160" y="866880"/>
-            <a:ext cx="825480" cy="232200"/>
-          </a:xfrm>
-          <a:prstGeom prst="rect">
-            <a:avLst/>
-          </a:prstGeom>
-          <a:ln>
-            <a:noFill/>
-          </a:ln>
-        </p:spPr>
-      </p:pic>
-      <p:pic>
-        <p:nvPicPr>
-          <p:cNvPr id="60" name="" descr=""/>
-          <p:cNvPicPr/>
-          <p:nvPr/>
-        </p:nvPicPr>
-        <p:blipFill>
-          <a:blip r:embed="rId5"/>
-          <a:stretch/>
-        </p:blipFill>
-        <p:spPr>
-          <a:xfrm>
-            <a:off x="4209840" y="810000"/>
-            <a:ext cx="686160" cy="336240"/>
-          </a:xfrm>
-          <a:prstGeom prst="rect">
-            <a:avLst/>
-          </a:prstGeom>
-          <a:ln>
-            <a:noFill/>
-          </a:ln>
-        </p:spPr>
-      </p:pic>
     </p:spTree>
   </p:cSld>
   <p:timing>
     <p:tnLst>
       <p:par>
-        <p:cTn id="11" dur="indefinite" restart="never" nodeType="tmRoot">
+        <p:cTn id="7" dur="indefinite" restart="never" nodeType="tmRoot">
           <p:childTnLst>
             <p:seq>
-              <p:cTn id="12" dur="indefinite" nodeType="mainSeq"/>
+              <p:cTn id="8" dur="indefinite" nodeType="mainSeq"/>
               <p:prevCondLst>
                 <p:cond delay="0" evt="onPrev">
                   <p:tgtEl>
@@ -5165,7 +5454,7 @@
       </p:grpSpPr>
       <p:pic>
         <p:nvPicPr>
-          <p:cNvPr id="61" name="Picture 2" descr=""/>
+          <p:cNvPr id="51" name="Picture 4" descr=""/>
           <p:cNvPicPr/>
           <p:nvPr/>
         </p:nvPicPr>
@@ -5175,54 +5464,8 @@
         </p:blipFill>
         <p:spPr>
           <a:xfrm>
-            <a:off x="0" y="573840"/>
-            <a:ext cx="12191760" cy="5709600"/>
-          </a:xfrm>
-          <a:prstGeom prst="rect">
-            <a:avLst/>
-          </a:prstGeom>
-          <a:ln>
-            <a:noFill/>
-          </a:ln>
-        </p:spPr>
-      </p:pic>
-      <p:pic>
-        <p:nvPicPr>
-          <p:cNvPr id="62" name="Picture 3" descr=""/>
-          <p:cNvPicPr/>
-          <p:nvPr/>
-        </p:nvPicPr>
-        <p:blipFill>
-          <a:blip r:embed="rId2"/>
-          <a:stretch/>
-        </p:blipFill>
-        <p:spPr>
-          <a:xfrm>
-            <a:off x="4756680" y="992880"/>
-            <a:ext cx="2118960" cy="487800"/>
-          </a:xfrm>
-          <a:prstGeom prst="rect">
-            <a:avLst/>
-          </a:prstGeom>
-          <a:ln>
-            <a:noFill/>
-          </a:ln>
-        </p:spPr>
-      </p:pic>
-      <p:pic>
-        <p:nvPicPr>
-          <p:cNvPr id="63" name="Picture 4" descr=""/>
-          <p:cNvPicPr/>
-          <p:nvPr/>
-        </p:nvPicPr>
-        <p:blipFill>
-          <a:blip r:embed="rId3"/>
-          <a:stretch/>
-        </p:blipFill>
-        <p:spPr>
-          <a:xfrm>
-            <a:off x="0" y="573840"/>
-            <a:ext cx="6468480" cy="340920"/>
+            <a:off x="0" y="866880"/>
+            <a:ext cx="12191400" cy="5688000"/>
           </a:xfrm>
           <a:prstGeom prst="rect">
             <a:avLst/>
@@ -5234,14 +5477,14 @@
       </p:pic>
       <p:sp>
         <p:nvSpPr>
-          <p:cNvPr id="64" name="CustomShape 1"/>
+          <p:cNvPr id="52" name="CustomShape 1"/>
           <p:cNvSpPr/>
           <p:nvPr/>
         </p:nvSpPr>
         <p:spPr>
           <a:xfrm>
-            <a:off x="476640" y="35640"/>
-            <a:ext cx="10690200" cy="364680"/>
+            <a:off x="515520" y="0"/>
+            <a:ext cx="10689840" cy="638640"/>
           </a:xfrm>
           <a:prstGeom prst="rect">
             <a:avLst/>
@@ -5271,9 +5514,11 @@
                   <a:srgbClr val="000000"/>
                 </a:solidFill>
                 <a:latin typeface="Calibri"/>
+                <a:ea typeface="DejaVu Sans"/>
               </a:rPr>
-              <a:t>Select the state.</a:t>
+              <a:t>After successful Login.</a:t>
             </a:r>
+            <a:br/>
             <a:endParaRPr b="0" lang="en-IN" sz="1800" spc="-1" strike="noStrike">
               <a:latin typeface="Arial"/>
             </a:endParaRPr>
@@ -5282,41 +5527,41 @@
       </p:sp>
       <p:pic>
         <p:nvPicPr>
-          <p:cNvPr id="65" name="Picture 6" descr=""/>
-          <p:cNvPicPr/>
-          <p:nvPr/>
-        </p:nvPicPr>
-        <p:blipFill>
-          <a:blip r:embed="rId4"/>
-          <a:stretch/>
-        </p:blipFill>
-        <p:spPr>
-          <a:xfrm>
-            <a:off x="1964880" y="633240"/>
-            <a:ext cx="825480" cy="232200"/>
-          </a:xfrm>
-          <a:prstGeom prst="rect">
-            <a:avLst/>
-          </a:prstGeom>
-          <a:ln>
-            <a:noFill/>
-          </a:ln>
-        </p:spPr>
-      </p:pic>
-      <p:pic>
-        <p:nvPicPr>
-          <p:cNvPr id="66" name="" descr=""/>
-          <p:cNvPicPr/>
-          <p:nvPr/>
-        </p:nvPicPr>
-        <p:blipFill>
-          <a:blip r:embed="rId5"/>
-          <a:stretch/>
-        </p:blipFill>
-        <p:spPr>
-          <a:xfrm>
-            <a:off x="4173840" y="594000"/>
-            <a:ext cx="686160" cy="336240"/>
+          <p:cNvPr id="53" name="Picture 6" descr=""/>
+          <p:cNvPicPr/>
+          <p:nvPr/>
+        </p:nvPicPr>
+        <p:blipFill>
+          <a:blip r:embed="rId2"/>
+          <a:stretch/>
+        </p:blipFill>
+        <p:spPr>
+          <a:xfrm>
+            <a:off x="1692720" y="896040"/>
+            <a:ext cx="825120" cy="231840"/>
+          </a:xfrm>
+          <a:prstGeom prst="rect">
+            <a:avLst/>
+          </a:prstGeom>
+          <a:ln>
+            <a:noFill/>
+          </a:ln>
+        </p:spPr>
+      </p:pic>
+      <p:pic>
+        <p:nvPicPr>
+          <p:cNvPr id="54" name="" descr=""/>
+          <p:cNvPicPr/>
+          <p:nvPr/>
+        </p:nvPicPr>
+        <p:blipFill>
+          <a:blip r:embed="rId3"/>
+          <a:stretch/>
+        </p:blipFill>
+        <p:spPr>
+          <a:xfrm>
+            <a:off x="3489840" y="866880"/>
+            <a:ext cx="685800" cy="279000"/>
           </a:xfrm>
           <a:prstGeom prst="rect">
             <a:avLst/>
@@ -5331,10 +5576,10 @@
   <p:timing>
     <p:tnLst>
       <p:par>
-        <p:cTn id="13" dur="indefinite" restart="never" nodeType="tmRoot">
+        <p:cTn id="9" dur="indefinite" restart="never" nodeType="tmRoot">
           <p:childTnLst>
             <p:seq>
-              <p:cTn id="14" dur="indefinite" nodeType="mainSeq"/>
+              <p:cTn id="10" dur="indefinite" nodeType="mainSeq"/>
               <p:prevCondLst>
                 <p:cond delay="0" evt="onPrev">
                   <p:tgtEl>
@@ -5377,7 +5622,7 @@
       </p:grpSpPr>
       <p:pic>
         <p:nvPicPr>
-          <p:cNvPr id="67" name="Picture 1" descr=""/>
+          <p:cNvPr id="55" name="Picture 3" descr=""/>
           <p:cNvPicPr/>
           <p:nvPr/>
         </p:nvPicPr>
@@ -5387,20 +5632,20 @@
         </p:blipFill>
         <p:spPr>
           <a:xfrm>
-            <a:off x="0" y="558000"/>
-            <a:ext cx="12191760" cy="5742000"/>
-          </a:xfrm>
-          <a:prstGeom prst="rect">
-            <a:avLst/>
-          </a:prstGeom>
-          <a:ln>
-            <a:noFill/>
-          </a:ln>
-        </p:spPr>
-      </p:pic>
-      <p:pic>
-        <p:nvPicPr>
-          <p:cNvPr id="68" name="Picture 2" descr=""/>
+            <a:off x="0" y="810000"/>
+            <a:ext cx="12191400" cy="5723640"/>
+          </a:xfrm>
+          <a:prstGeom prst="rect">
+            <a:avLst/>
+          </a:prstGeom>
+          <a:ln>
+            <a:noFill/>
+          </a:ln>
+        </p:spPr>
+      </p:pic>
+      <p:pic>
+        <p:nvPicPr>
+          <p:cNvPr id="56" name="Picture 4" descr=""/>
           <p:cNvPicPr/>
           <p:nvPr/>
         </p:nvPicPr>
@@ -5410,20 +5655,20 @@
         </p:blipFill>
         <p:spPr>
           <a:xfrm>
-            <a:off x="4746960" y="973440"/>
-            <a:ext cx="2118960" cy="487800"/>
-          </a:xfrm>
-          <a:prstGeom prst="rect">
-            <a:avLst/>
-          </a:prstGeom>
-          <a:ln>
-            <a:noFill/>
-          </a:ln>
-        </p:spPr>
-      </p:pic>
-      <p:pic>
-        <p:nvPicPr>
-          <p:cNvPr id="69" name="Picture 3" descr=""/>
+            <a:off x="4834800" y="1216800"/>
+            <a:ext cx="2118600" cy="487440"/>
+          </a:xfrm>
+          <a:prstGeom prst="rect">
+            <a:avLst/>
+          </a:prstGeom>
+          <a:ln>
+            <a:noFill/>
+          </a:ln>
+        </p:spPr>
+      </p:pic>
+      <p:pic>
+        <p:nvPicPr>
+          <p:cNvPr id="57" name="Picture 7" descr=""/>
           <p:cNvPicPr/>
           <p:nvPr/>
         </p:nvPicPr>
@@ -5433,8 +5678,8 @@
         </p:blipFill>
         <p:spPr>
           <a:xfrm>
-            <a:off x="0" y="558000"/>
-            <a:ext cx="6468480" cy="340920"/>
+            <a:off x="0" y="810000"/>
+            <a:ext cx="6468120" cy="340560"/>
           </a:xfrm>
           <a:prstGeom prst="rect">
             <a:avLst/>
@@ -5446,14 +5691,14 @@
       </p:pic>
       <p:sp>
         <p:nvSpPr>
-          <p:cNvPr id="70" name="CustomShape 1"/>
+          <p:cNvPr id="58" name="CustomShape 1"/>
           <p:cNvSpPr/>
           <p:nvPr/>
         </p:nvSpPr>
         <p:spPr>
           <a:xfrm>
             <a:off x="476640" y="35640"/>
-            <a:ext cx="10690200" cy="364680"/>
+            <a:ext cx="10689840" cy="364320"/>
           </a:xfrm>
           <a:prstGeom prst="rect">
             <a:avLst/>
@@ -5483,8 +5728,9 @@
                   <a:srgbClr val="000000"/>
                 </a:solidFill>
                 <a:latin typeface="Calibri"/>
+                <a:ea typeface="DejaVu Sans"/>
               </a:rPr>
-              <a:t>Select the city associated with state.</a:t>
+              <a:t>Add Institute page to add new institute.</a:t>
             </a:r>
             <a:endParaRPr b="0" lang="en-IN" sz="1800" spc="-1" strike="noStrike">
               <a:latin typeface="Arial"/>
@@ -5494,7 +5740,7 @@
       </p:sp>
       <p:pic>
         <p:nvPicPr>
-          <p:cNvPr id="71" name="Picture 5" descr=""/>
+          <p:cNvPr id="59" name="Picture 9" descr=""/>
           <p:cNvPicPr/>
           <p:nvPr/>
         </p:nvPicPr>
@@ -5504,20 +5750,20 @@
         </p:blipFill>
         <p:spPr>
           <a:xfrm>
-            <a:off x="2032920" y="623520"/>
-            <a:ext cx="825480" cy="232200"/>
-          </a:xfrm>
-          <a:prstGeom prst="rect">
-            <a:avLst/>
-          </a:prstGeom>
-          <a:ln>
-            <a:noFill/>
-          </a:ln>
-        </p:spPr>
-      </p:pic>
-      <p:pic>
-        <p:nvPicPr>
-          <p:cNvPr id="72" name="" descr=""/>
+            <a:off x="1955160" y="866880"/>
+            <a:ext cx="825120" cy="231840"/>
+          </a:xfrm>
+          <a:prstGeom prst="rect">
+            <a:avLst/>
+          </a:prstGeom>
+          <a:ln>
+            <a:noFill/>
+          </a:ln>
+        </p:spPr>
+      </p:pic>
+      <p:pic>
+        <p:nvPicPr>
+          <p:cNvPr id="60" name="" descr=""/>
           <p:cNvPicPr/>
           <p:nvPr/>
         </p:nvPicPr>
@@ -5527,8 +5773,8 @@
         </p:blipFill>
         <p:spPr>
           <a:xfrm>
-            <a:off x="4137840" y="558000"/>
-            <a:ext cx="686160" cy="336240"/>
+            <a:off x="4209840" y="810000"/>
+            <a:ext cx="685800" cy="335880"/>
           </a:xfrm>
           <a:prstGeom prst="rect">
             <a:avLst/>
@@ -5543,10 +5789,10 @@
   <p:timing>
     <p:tnLst>
       <p:par>
-        <p:cTn id="15" dur="indefinite" restart="never" nodeType="tmRoot">
+        <p:cTn id="11" dur="indefinite" restart="never" nodeType="tmRoot">
           <p:childTnLst>
             <p:seq>
-              <p:cTn id="16" dur="indefinite" nodeType="mainSeq"/>
+              <p:cTn id="12" dur="indefinite" nodeType="mainSeq"/>
               <p:prevCondLst>
                 <p:cond delay="0" evt="onPrev">
                   <p:tgtEl>
@@ -5589,7 +5835,7 @@
       </p:grpSpPr>
       <p:pic>
         <p:nvPicPr>
-          <p:cNvPr id="73" name="Picture 1" descr=""/>
+          <p:cNvPr id="61" name="Picture 2" descr=""/>
           <p:cNvPicPr/>
           <p:nvPr/>
         </p:nvPicPr>
@@ -5599,20 +5845,20 @@
         </p:blipFill>
         <p:spPr>
           <a:xfrm>
-            <a:off x="0" y="558000"/>
-            <a:ext cx="12191760" cy="5742000"/>
-          </a:xfrm>
-          <a:prstGeom prst="rect">
-            <a:avLst/>
-          </a:prstGeom>
-          <a:ln>
-            <a:noFill/>
-          </a:ln>
-        </p:spPr>
-      </p:pic>
-      <p:pic>
-        <p:nvPicPr>
-          <p:cNvPr id="74" name="Picture 2" descr=""/>
+            <a:off x="0" y="573840"/>
+            <a:ext cx="12191400" cy="5709240"/>
+          </a:xfrm>
+          <a:prstGeom prst="rect">
+            <a:avLst/>
+          </a:prstGeom>
+          <a:ln>
+            <a:noFill/>
+          </a:ln>
+        </p:spPr>
+      </p:pic>
+      <p:pic>
+        <p:nvPicPr>
+          <p:cNvPr id="62" name="Picture 3" descr=""/>
           <p:cNvPicPr/>
           <p:nvPr/>
         </p:nvPicPr>
@@ -5622,20 +5868,20 @@
         </p:blipFill>
         <p:spPr>
           <a:xfrm>
-            <a:off x="4825080" y="944280"/>
-            <a:ext cx="2118960" cy="487800"/>
-          </a:xfrm>
-          <a:prstGeom prst="rect">
-            <a:avLst/>
-          </a:prstGeom>
-          <a:ln>
-            <a:noFill/>
-          </a:ln>
-        </p:spPr>
-      </p:pic>
-      <p:pic>
-        <p:nvPicPr>
-          <p:cNvPr id="75" name="Picture 3" descr=""/>
+            <a:off x="4756680" y="992880"/>
+            <a:ext cx="2118600" cy="487440"/>
+          </a:xfrm>
+          <a:prstGeom prst="rect">
+            <a:avLst/>
+          </a:prstGeom>
+          <a:ln>
+            <a:noFill/>
+          </a:ln>
+        </p:spPr>
+      </p:pic>
+      <p:pic>
+        <p:nvPicPr>
+          <p:cNvPr id="63" name="Picture 4" descr=""/>
           <p:cNvPicPr/>
           <p:nvPr/>
         </p:nvPicPr>
@@ -5645,8 +5891,8 @@
         </p:blipFill>
         <p:spPr>
           <a:xfrm>
-            <a:off x="0" y="558000"/>
-            <a:ext cx="6468480" cy="340920"/>
+            <a:off x="0" y="573840"/>
+            <a:ext cx="6468120" cy="340560"/>
           </a:xfrm>
           <a:prstGeom prst="rect">
             <a:avLst/>
@@ -5658,14 +5904,14 @@
       </p:pic>
       <p:sp>
         <p:nvSpPr>
-          <p:cNvPr id="76" name="CustomShape 1"/>
+          <p:cNvPr id="64" name="CustomShape 1"/>
           <p:cNvSpPr/>
           <p:nvPr/>
         </p:nvSpPr>
         <p:spPr>
           <a:xfrm>
             <a:off x="476640" y="35640"/>
-            <a:ext cx="10690200" cy="364680"/>
+            <a:ext cx="10689840" cy="364320"/>
           </a:xfrm>
           <a:prstGeom prst="rect">
             <a:avLst/>
@@ -5695,8 +5941,9 @@
                   <a:srgbClr val="000000"/>
                 </a:solidFill>
                 <a:latin typeface="Calibri"/>
+                <a:ea typeface="DejaVu Sans"/>
               </a:rPr>
-              <a:t>Enter the location.</a:t>
+              <a:t>Select the state.</a:t>
             </a:r>
             <a:endParaRPr b="0" lang="en-IN" sz="1800" spc="-1" strike="noStrike">
               <a:latin typeface="Arial"/>
@@ -5706,7 +5953,7 @@
       </p:sp>
       <p:pic>
         <p:nvPicPr>
-          <p:cNvPr id="77" name="Picture 5" descr=""/>
+          <p:cNvPr id="65" name="Picture 6" descr=""/>
           <p:cNvPicPr/>
           <p:nvPr/>
         </p:nvPicPr>
@@ -5716,20 +5963,20 @@
         </p:blipFill>
         <p:spPr>
           <a:xfrm>
-            <a:off x="2013480" y="612360"/>
-            <a:ext cx="825480" cy="232200"/>
-          </a:xfrm>
-          <a:prstGeom prst="rect">
-            <a:avLst/>
-          </a:prstGeom>
-          <a:ln>
-            <a:noFill/>
-          </a:ln>
-        </p:spPr>
-      </p:pic>
-      <p:pic>
-        <p:nvPicPr>
-          <p:cNvPr id="78" name="" descr=""/>
+            <a:off x="1964880" y="633240"/>
+            <a:ext cx="825120" cy="231840"/>
+          </a:xfrm>
+          <a:prstGeom prst="rect">
+            <a:avLst/>
+          </a:prstGeom>
+          <a:ln>
+            <a:noFill/>
+          </a:ln>
+        </p:spPr>
+      </p:pic>
+      <p:pic>
+        <p:nvPicPr>
+          <p:cNvPr id="66" name="" descr=""/>
           <p:cNvPicPr/>
           <p:nvPr/>
         </p:nvPicPr>
@@ -5739,8 +5986,8 @@
         </p:blipFill>
         <p:spPr>
           <a:xfrm>
-            <a:off x="4173840" y="558000"/>
-            <a:ext cx="686160" cy="336240"/>
+            <a:off x="4173840" y="594000"/>
+            <a:ext cx="685800" cy="335880"/>
           </a:xfrm>
           <a:prstGeom prst="rect">
             <a:avLst/>
@@ -5755,10 +6002,10 @@
   <p:timing>
     <p:tnLst>
       <p:par>
-        <p:cTn id="17" dur="indefinite" restart="never" nodeType="tmRoot">
+        <p:cTn id="13" dur="indefinite" restart="never" nodeType="tmRoot">
           <p:childTnLst>
             <p:seq>
-              <p:cTn id="18" dur="indefinite" nodeType="mainSeq"/>
+              <p:cTn id="14" dur="indefinite" nodeType="mainSeq"/>
               <p:prevCondLst>
                 <p:cond delay="0" evt="onPrev">
                   <p:tgtEl>
